--- a/extra/MS-500AIntro.pptx
+++ b/extra/MS-500AIntro.pptx
@@ -5,17 +5,22 @@
     <p:sldMasterId id="2147484229" r:id="rId1"/>
   </p:sldMasterIdLst>
   <p:notesMasterIdLst>
-    <p:notesMasterId r:id="rId7"/>
+    <p:notesMasterId r:id="rId12"/>
   </p:notesMasterIdLst>
   <p:handoutMasterIdLst>
-    <p:handoutMasterId r:id="rId8"/>
+    <p:handoutMasterId r:id="rId13"/>
   </p:handoutMasterIdLst>
   <p:sldIdLst>
     <p:sldId id="1908" r:id="rId2"/>
     <p:sldId id="1915" r:id="rId3"/>
-    <p:sldId id="1670" r:id="rId4"/>
-    <p:sldId id="1913" r:id="rId5"/>
-    <p:sldId id="1917" r:id="rId6"/>
+    <p:sldId id="1725" r:id="rId4"/>
+    <p:sldId id="1726" r:id="rId5"/>
+    <p:sldId id="1727" r:id="rId6"/>
+    <p:sldId id="1728" r:id="rId7"/>
+    <p:sldId id="1729" r:id="rId8"/>
+    <p:sldId id="1730" r:id="rId9"/>
+    <p:sldId id="1731" r:id="rId10"/>
+    <p:sldId id="1917" r:id="rId11"/>
   </p:sldIdLst>
   <p:sldSz cx="12192000" cy="6858000"/>
   <p:notesSz cx="6858000" cy="9144000"/>
@@ -121,8 +126,13 @@
           <p14:sldIdLst>
             <p14:sldId id="1908"/>
             <p14:sldId id="1915"/>
-            <p14:sldId id="1670"/>
-            <p14:sldId id="1913"/>
+            <p14:sldId id="1725"/>
+            <p14:sldId id="1726"/>
+            <p14:sldId id="1727"/>
+            <p14:sldId id="1728"/>
+            <p14:sldId id="1729"/>
+            <p14:sldId id="1730"/>
+            <p14:sldId id="1731"/>
             <p14:sldId id="1917"/>
           </p14:sldIdLst>
         </p14:section>
@@ -153,6 +163,14 @@
 <p:cmAuthorLst xmlns:a="http://schemas.openxmlformats.org/drawingml/2006/main" xmlns:r="http://schemas.openxmlformats.org/officeDocument/2006/relationships" xmlns:p="http://schemas.openxmlformats.org/presentationml/2006/main">
   <p:cmAuthor id="5" name="Auteur" initials="A" lastIdx="0" clrIdx="5"/>
 </p:cmAuthorLst>
+</file>
+
+<file path=ppt/revisionInfo.xml><?xml version="1.0" encoding="utf-8"?>
+<p1510:revInfo xmlns:a="http://schemas.openxmlformats.org/drawingml/2006/main" xmlns:r="http://schemas.openxmlformats.org/officeDocument/2006/relationships" xmlns:p1510="http://schemas.microsoft.com/office/powerpoint/2015/10/main">
+  <p1510:revLst>
+    <p1510:client id="{D5AF8FEF-5F52-46CE-B912-5CBC4FDC5401}" v="4" dt="2020-05-12T08:24:59.896"/>
+  </p1510:revLst>
+</p1510:revInfo>
 </file>
 
 <file path=ppt/handoutMasters/handoutMaster1.xml><?xml version="1.0" encoding="utf-8"?>
@@ -241,7 +259,7 @@
               <a:rPr lang="en-US" smtClean="0">
                 <a:latin typeface="Segoe UI" pitchFamily="34" charset="0"/>
               </a:rPr>
-              <a:t>11/17/2019 2:19 PM</a:t>
+              <a:t>5/12/2020 10:23 AM</a:t>
             </a:fld>
             <a:endParaRPr lang="en-US" dirty="0">
               <a:latin typeface="Segoe UI" pitchFamily="34" charset="0"/>
@@ -519,7 +537,7 @@
           <a:p>
             <a:fld id="{386CE63F-9E7F-4C04-9D0D-FCA25A8E9E86}" type="datetime8">
               <a:rPr lang="en-US" smtClean="0"/>
-              <a:t>11/17/2019 2:19 PM</a:t>
+              <a:t>5/12/2020 10:23 AM</a:t>
             </a:fld>
             <a:endParaRPr lang="en-US" dirty="0"/>
           </a:p>
@@ -886,7 +904,7 @@
           <a:p>
             <a:fld id="{3619146B-24F9-441E-A368-DB3B5A84C1D4}" type="datetime8">
               <a:rPr lang="en-US" smtClean="0"/>
-              <a:t>11/17/2019 2:19 PM</a:t>
+              <a:t>5/12/2020 10:23 AM</a:t>
             </a:fld>
             <a:endParaRPr lang="en-US" dirty="0"/>
           </a:p>
@@ -1051,7 +1069,7 @@
           <a:p>
             <a:fld id="{9427A7F7-BB1E-479D-AFAA-B52F4D0C99F2}" type="datetime8">
               <a:rPr lang="en-US" smtClean="0"/>
-              <a:t>11/17/2019 2:23 PM</a:t>
+              <a:t>5/12/2020 10:24 AM</a:t>
             </a:fld>
             <a:endParaRPr lang="en-US" dirty="0"/>
           </a:p>
@@ -1084,7 +1102,7 @@
     </p:spTree>
     <p:extLst>
       <p:ext uri="{BB962C8B-B14F-4D97-AF65-F5344CB8AC3E}">
-        <p14:creationId xmlns:p14="http://schemas.microsoft.com/office/powerpoint/2010/main" val="1958519690"/>
+        <p14:creationId xmlns:p14="http://schemas.microsoft.com/office/powerpoint/2010/main" val="3334207461"/>
       </p:ext>
     </p:extLst>
   </p:cSld>
@@ -1216,7 +1234,7 @@
           <a:p>
             <a:fld id="{9427A7F7-BB1E-479D-AFAA-B52F4D0C99F2}" type="datetime8">
               <a:rPr lang="en-US" smtClean="0"/>
-              <a:t>11/17/2019 2:28 PM</a:t>
+              <a:t>5/12/2020 10:24 AM</a:t>
             </a:fld>
             <a:endParaRPr lang="en-US" dirty="0"/>
           </a:p>
@@ -1240,7 +1258,7 @@
             <a:fld id="{B4008EB6-D09E-4580-8CD6-DDB14511944F}" type="slidenum">
               <a:rPr lang="en-US" smtClean="0"/>
               <a:pPr/>
-              <a:t>4</a:t>
+              <a:t>5</a:t>
             </a:fld>
             <a:endParaRPr lang="en-US" dirty="0"/>
           </a:p>
@@ -1249,7 +1267,337 @@
     </p:spTree>
     <p:extLst>
       <p:ext uri="{BB962C8B-B14F-4D97-AF65-F5344CB8AC3E}">
-        <p14:creationId xmlns:p14="http://schemas.microsoft.com/office/powerpoint/2010/main" val="3760928280"/>
+        <p14:creationId xmlns:p14="http://schemas.microsoft.com/office/powerpoint/2010/main" val="3334207461"/>
+      </p:ext>
+    </p:extLst>
+  </p:cSld>
+  <p:clrMapOvr>
+    <a:masterClrMapping/>
+  </p:clrMapOvr>
+</p:notes>
+</file>
+
+<file path=ppt/notesSlides/notesSlide4.xml><?xml version="1.0" encoding="utf-8"?>
+<p:notes xmlns:a="http://schemas.openxmlformats.org/drawingml/2006/main" xmlns:r="http://schemas.openxmlformats.org/officeDocument/2006/relationships" xmlns:p="http://schemas.openxmlformats.org/presentationml/2006/main">
+  <p:cSld>
+    <p:spTree>
+      <p:nvGrpSpPr>
+        <p:cNvPr id="1" name=""/>
+        <p:cNvGrpSpPr/>
+        <p:nvPr/>
+      </p:nvGrpSpPr>
+      <p:grpSpPr>
+        <a:xfrm>
+          <a:off x="0" y="0"/>
+          <a:ext cx="0" cy="0"/>
+          <a:chOff x="0" y="0"/>
+          <a:chExt cx="0" cy="0"/>
+        </a:xfrm>
+      </p:grpSpPr>
+      <p:sp>
+        <p:nvSpPr>
+          <p:cNvPr id="2" name="Slide Image Placeholder 1"/>
+          <p:cNvSpPr>
+            <a:spLocks noGrp="1" noRot="1" noChangeAspect="1"/>
+          </p:cNvSpPr>
+          <p:nvPr>
+            <p:ph type="sldImg"/>
+          </p:nvPr>
+        </p:nvSpPr>
+        <p:spPr/>
+      </p:sp>
+      <p:sp>
+        <p:nvSpPr>
+          <p:cNvPr id="3" name="Notes Placeholder 2"/>
+          <p:cNvSpPr>
+            <a:spLocks noGrp="1"/>
+          </p:cNvSpPr>
+          <p:nvPr>
+            <p:ph type="body" idx="1"/>
+          </p:nvPr>
+        </p:nvSpPr>
+        <p:spPr/>
+        <p:txBody>
+          <a:bodyPr/>
+          <a:lstStyle/>
+          <a:p>
+            <a:endParaRPr lang="en-US" dirty="0"/>
+          </a:p>
+        </p:txBody>
+      </p:sp>
+      <p:sp>
+        <p:nvSpPr>
+          <p:cNvPr id="4" name="Header Placeholder 3"/>
+          <p:cNvSpPr>
+            <a:spLocks noGrp="1"/>
+          </p:cNvSpPr>
+          <p:nvPr>
+            <p:ph type="hdr" sz="quarter" idx="10"/>
+          </p:nvPr>
+        </p:nvSpPr>
+        <p:spPr/>
+        <p:txBody>
+          <a:bodyPr/>
+          <a:lstStyle/>
+          <a:p>
+            <a:endParaRPr lang="en-US" dirty="0"/>
+          </a:p>
+        </p:txBody>
+      </p:sp>
+      <p:sp>
+        <p:nvSpPr>
+          <p:cNvPr id="5" name="Footer Placeholder 4"/>
+          <p:cNvSpPr>
+            <a:spLocks noGrp="1"/>
+          </p:cNvSpPr>
+          <p:nvPr>
+            <p:ph type="ftr" sz="quarter" idx="11"/>
+          </p:nvPr>
+        </p:nvSpPr>
+        <p:spPr/>
+        <p:txBody>
+          <a:bodyPr/>
+          <a:lstStyle/>
+          <a:p>
+            <a:pPr defTabSz="914099" eaLnBrk="0" hangingPunct="0"/>
+            <a:r>
+              <a:rPr lang="en-US" sz="400" dirty="0">
+                <a:gradFill>
+                  <a:gsLst>
+                    <a:gs pos="0">
+                      <a:prstClr val="black"/>
+                    </a:gs>
+                    <a:gs pos="100000">
+                      <a:prstClr val="black"/>
+                    </a:gs>
+                  </a:gsLst>
+                  <a:lin ang="5400000" scaled="0"/>
+                </a:gradFill>
+                <a:latin typeface="Segoe UI" pitchFamily="34" charset="0"/>
+                <a:ea typeface="Segoe UI" pitchFamily="34" charset="0"/>
+                <a:cs typeface="Segoe UI" pitchFamily="34" charset="0"/>
+              </a:rPr>
+              <a:t>© Microsoft Corporation. All rights reserved. MICROSOFT MAKES NO WARRANTIES, EXPRESS, IMPLIED OR STATUTORY, AS TO THE INFORMATION IN THIS PRESENTATION.</a:t>
+            </a:r>
+          </a:p>
+        </p:txBody>
+      </p:sp>
+      <p:sp>
+        <p:nvSpPr>
+          <p:cNvPr id="6" name="Date Placeholder 5"/>
+          <p:cNvSpPr>
+            <a:spLocks noGrp="1"/>
+          </p:cNvSpPr>
+          <p:nvPr>
+            <p:ph type="dt" idx="12"/>
+          </p:nvPr>
+        </p:nvSpPr>
+        <p:spPr/>
+        <p:txBody>
+          <a:bodyPr/>
+          <a:lstStyle/>
+          <a:p>
+            <a:fld id="{9427A7F7-BB1E-479D-AFAA-B52F4D0C99F2}" type="datetime8">
+              <a:rPr lang="en-US" smtClean="0"/>
+              <a:t>5/12/2020 10:23 AM</a:t>
+            </a:fld>
+            <a:endParaRPr lang="en-US" dirty="0"/>
+          </a:p>
+        </p:txBody>
+      </p:sp>
+      <p:sp>
+        <p:nvSpPr>
+          <p:cNvPr id="7" name="Slide Number Placeholder 6"/>
+          <p:cNvSpPr>
+            <a:spLocks noGrp="1"/>
+          </p:cNvSpPr>
+          <p:nvPr>
+            <p:ph type="sldNum" sz="quarter" idx="13"/>
+          </p:nvPr>
+        </p:nvSpPr>
+        <p:spPr/>
+        <p:txBody>
+          <a:bodyPr/>
+          <a:lstStyle/>
+          <a:p>
+            <a:fld id="{B4008EB6-D09E-4580-8CD6-DDB14511944F}" type="slidenum">
+              <a:rPr lang="en-US" smtClean="0"/>
+              <a:pPr/>
+              <a:t>7</a:t>
+            </a:fld>
+            <a:endParaRPr lang="en-US" dirty="0"/>
+          </a:p>
+        </p:txBody>
+      </p:sp>
+    </p:spTree>
+    <p:extLst>
+      <p:ext uri="{BB962C8B-B14F-4D97-AF65-F5344CB8AC3E}">
+        <p14:creationId xmlns:p14="http://schemas.microsoft.com/office/powerpoint/2010/main" val="3334207461"/>
+      </p:ext>
+    </p:extLst>
+  </p:cSld>
+  <p:clrMapOvr>
+    <a:masterClrMapping/>
+  </p:clrMapOvr>
+</p:notes>
+</file>
+
+<file path=ppt/notesSlides/notesSlide5.xml><?xml version="1.0" encoding="utf-8"?>
+<p:notes xmlns:a="http://schemas.openxmlformats.org/drawingml/2006/main" xmlns:r="http://schemas.openxmlformats.org/officeDocument/2006/relationships" xmlns:p="http://schemas.openxmlformats.org/presentationml/2006/main">
+  <p:cSld>
+    <p:spTree>
+      <p:nvGrpSpPr>
+        <p:cNvPr id="1" name=""/>
+        <p:cNvGrpSpPr/>
+        <p:nvPr/>
+      </p:nvGrpSpPr>
+      <p:grpSpPr>
+        <a:xfrm>
+          <a:off x="0" y="0"/>
+          <a:ext cx="0" cy="0"/>
+          <a:chOff x="0" y="0"/>
+          <a:chExt cx="0" cy="0"/>
+        </a:xfrm>
+      </p:grpSpPr>
+      <p:sp>
+        <p:nvSpPr>
+          <p:cNvPr id="2" name="Slide Image Placeholder 1"/>
+          <p:cNvSpPr>
+            <a:spLocks noGrp="1" noRot="1" noChangeAspect="1"/>
+          </p:cNvSpPr>
+          <p:nvPr>
+            <p:ph type="sldImg"/>
+          </p:nvPr>
+        </p:nvSpPr>
+        <p:spPr/>
+      </p:sp>
+      <p:sp>
+        <p:nvSpPr>
+          <p:cNvPr id="3" name="Notes Placeholder 2"/>
+          <p:cNvSpPr>
+            <a:spLocks noGrp="1"/>
+          </p:cNvSpPr>
+          <p:nvPr>
+            <p:ph type="body" idx="1"/>
+          </p:nvPr>
+        </p:nvSpPr>
+        <p:spPr/>
+        <p:txBody>
+          <a:bodyPr/>
+          <a:lstStyle/>
+          <a:p>
+            <a:endParaRPr lang="en-US" dirty="0"/>
+          </a:p>
+        </p:txBody>
+      </p:sp>
+      <p:sp>
+        <p:nvSpPr>
+          <p:cNvPr id="4" name="Header Placeholder 3"/>
+          <p:cNvSpPr>
+            <a:spLocks noGrp="1"/>
+          </p:cNvSpPr>
+          <p:nvPr>
+            <p:ph type="hdr" sz="quarter" idx="10"/>
+          </p:nvPr>
+        </p:nvSpPr>
+        <p:spPr/>
+        <p:txBody>
+          <a:bodyPr/>
+          <a:lstStyle/>
+          <a:p>
+            <a:endParaRPr lang="en-US" dirty="0"/>
+          </a:p>
+        </p:txBody>
+      </p:sp>
+      <p:sp>
+        <p:nvSpPr>
+          <p:cNvPr id="5" name="Footer Placeholder 4"/>
+          <p:cNvSpPr>
+            <a:spLocks noGrp="1"/>
+          </p:cNvSpPr>
+          <p:nvPr>
+            <p:ph type="ftr" sz="quarter" idx="11"/>
+          </p:nvPr>
+        </p:nvSpPr>
+        <p:spPr/>
+        <p:txBody>
+          <a:bodyPr/>
+          <a:lstStyle/>
+          <a:p>
+            <a:pPr defTabSz="914099" eaLnBrk="0" hangingPunct="0"/>
+            <a:r>
+              <a:rPr lang="en-US" sz="400" dirty="0">
+                <a:gradFill>
+                  <a:gsLst>
+                    <a:gs pos="0">
+                      <a:prstClr val="black"/>
+                    </a:gs>
+                    <a:gs pos="100000">
+                      <a:prstClr val="black"/>
+                    </a:gs>
+                  </a:gsLst>
+                  <a:lin ang="5400000" scaled="0"/>
+                </a:gradFill>
+                <a:latin typeface="Segoe UI" pitchFamily="34" charset="0"/>
+                <a:ea typeface="Segoe UI" pitchFamily="34" charset="0"/>
+                <a:cs typeface="Segoe UI" pitchFamily="34" charset="0"/>
+              </a:rPr>
+              <a:t>© Microsoft Corporation. All rights reserved. MICROSOFT MAKES NO WARRANTIES, EXPRESS, IMPLIED OR STATUTORY, AS TO THE INFORMATION IN THIS PRESENTATION.</a:t>
+            </a:r>
+          </a:p>
+        </p:txBody>
+      </p:sp>
+      <p:sp>
+        <p:nvSpPr>
+          <p:cNvPr id="6" name="Date Placeholder 5"/>
+          <p:cNvSpPr>
+            <a:spLocks noGrp="1"/>
+          </p:cNvSpPr>
+          <p:nvPr>
+            <p:ph type="dt" idx="12"/>
+          </p:nvPr>
+        </p:nvSpPr>
+        <p:spPr/>
+        <p:txBody>
+          <a:bodyPr/>
+          <a:lstStyle/>
+          <a:p>
+            <a:fld id="{9427A7F7-BB1E-479D-AFAA-B52F4D0C99F2}" type="datetime8">
+              <a:rPr lang="en-US" smtClean="0"/>
+              <a:t>5/12/2020 10:23 AM</a:t>
+            </a:fld>
+            <a:endParaRPr lang="en-US" dirty="0"/>
+          </a:p>
+        </p:txBody>
+      </p:sp>
+      <p:sp>
+        <p:nvSpPr>
+          <p:cNvPr id="7" name="Slide Number Placeholder 6"/>
+          <p:cNvSpPr>
+            <a:spLocks noGrp="1"/>
+          </p:cNvSpPr>
+          <p:nvPr>
+            <p:ph type="sldNum" sz="quarter" idx="13"/>
+          </p:nvPr>
+        </p:nvSpPr>
+        <p:spPr/>
+        <p:txBody>
+          <a:bodyPr/>
+          <a:lstStyle/>
+          <a:p>
+            <a:fld id="{B4008EB6-D09E-4580-8CD6-DDB14511944F}" type="slidenum">
+              <a:rPr lang="en-US" smtClean="0"/>
+              <a:pPr/>
+              <a:t>9</a:t>
+            </a:fld>
+            <a:endParaRPr lang="en-US" dirty="0"/>
+          </a:p>
+        </p:txBody>
+      </p:sp>
+    </p:spTree>
+    <p:extLst>
+      <p:ext uri="{BB962C8B-B14F-4D97-AF65-F5344CB8AC3E}">
+        <p14:creationId xmlns:p14="http://schemas.microsoft.com/office/powerpoint/2010/main" val="3334207461"/>
       </p:ext>
     </p:extLst>
   </p:cSld>
@@ -1464,7 +1812,7 @@
       </p:transition>
     </mc:Fallback>
   </mc:AlternateContent>
-  <p:extLst mod="1">
+  <p:extLst>
     <p:ext uri="{DCECCB84-F9BA-43D5-87BE-67443E8EF086}">
       <p15:sldGuideLst xmlns:p15="http://schemas.microsoft.com/office/powerpoint/2012/main">
         <p15:guide id="1" orient="horz" pos="2228">
@@ -1551,7 +1899,7 @@
   <p:transition>
     <p:fade/>
   </p:transition>
-  <p:extLst mod="1">
+  <p:extLst>
     <p:ext uri="{DCECCB84-F9BA-43D5-87BE-67443E8EF086}">
       <p15:sldGuideLst xmlns:p15="http://schemas.microsoft.com/office/powerpoint/2012/main">
         <p15:guide id="6" pos="779">
@@ -1756,7 +2104,7 @@
   <p:transition>
     <p:fade/>
   </p:transition>
-  <p:extLst mod="1">
+  <p:extLst>
     <p:ext uri="{DCECCB84-F9BA-43D5-87BE-67443E8EF086}">
       <p15:sldGuideLst xmlns:p15="http://schemas.microsoft.com/office/powerpoint/2012/main">
         <p15:guide id="6" pos="779">
@@ -1920,7 +2268,7 @@
   <p:transition>
     <p:fade/>
   </p:transition>
-  <p:extLst mod="1">
+  <p:extLst>
     <p:ext uri="{DCECCB84-F9BA-43D5-87BE-67443E8EF086}">
       <p15:sldGuideLst xmlns:p15="http://schemas.microsoft.com/office/powerpoint/2012/main">
         <p15:guide id="1" orient="horz" pos="1272" userDrawn="1">
@@ -1979,7 +2327,7 @@
   <p:transition>
     <p:fade/>
   </p:transition>
-  <p:extLst mod="1">
+  <p:extLst>
     <p:ext uri="{DCECCB84-F9BA-43D5-87BE-67443E8EF086}">
       <p15:sldGuideLst xmlns:p15="http://schemas.microsoft.com/office/powerpoint/2012/main">
         <p15:guide id="1" orient="horz" pos="904" userDrawn="1">
@@ -2219,7 +2567,7 @@
   <p:transition>
     <p:fade/>
   </p:transition>
-  <p:extLst mod="1">
+  <p:extLst>
     <p:ext uri="{DCECCB84-F9BA-43D5-87BE-67443E8EF086}">
       <p15:sldGuideLst xmlns:p15="http://schemas.microsoft.com/office/powerpoint/2012/main">
         <p15:guide id="1" orient="horz" pos="1272" userDrawn="1">
@@ -2595,7 +2943,7 @@
   <p:transition>
     <p:fade/>
   </p:transition>
-  <p:extLst mod="1">
+  <p:extLst>
     <p:ext uri="{DCECCB84-F9BA-43D5-87BE-67443E8EF086}">
       <p15:sldGuideLst xmlns:p15="http://schemas.microsoft.com/office/powerpoint/2012/main">
         <p15:guide id="1" orient="horz" pos="904" userDrawn="1">
@@ -2798,7 +3146,7 @@
   <p:transition>
     <p:fade/>
   </p:transition>
-  <p:extLst mod="1">
+  <p:extLst>
     <p:ext uri="{DCECCB84-F9BA-43D5-87BE-67443E8EF086}">
       <p15:sldGuideLst xmlns:p15="http://schemas.microsoft.com/office/powerpoint/2012/main">
         <p15:guide id="2" orient="horz" pos="1272">
@@ -3097,7 +3445,7 @@
       </p:transition>
     </mc:Fallback>
   </mc:AlternateContent>
-  <p:extLst mod="1">
+  <p:extLst>
     <p:ext uri="{DCECCB84-F9BA-43D5-87BE-67443E8EF086}">
       <p15:sldGuideLst xmlns:p15="http://schemas.microsoft.com/office/powerpoint/2012/main">
         <p15:guide id="2" orient="horz" pos="2496" userDrawn="1">
@@ -3393,7 +3741,7 @@
       </p:transition>
     </mc:Fallback>
   </mc:AlternateContent>
-  <p:extLst mod="1">
+  <p:extLst>
     <p:ext uri="{DCECCB84-F9BA-43D5-87BE-67443E8EF086}">
       <p15:sldGuideLst xmlns:p15="http://schemas.microsoft.com/office/powerpoint/2012/main">
         <p15:guide id="2" orient="horz" pos="2496">
@@ -3602,7 +3950,7 @@
       </p:transition>
     </mc:Fallback>
   </mc:AlternateContent>
-  <p:extLst mod="1">
+  <p:extLst>
     <p:ext uri="{DCECCB84-F9BA-43D5-87BE-67443E8EF086}">
       <p15:sldGuideLst xmlns:p15="http://schemas.microsoft.com/office/powerpoint/2012/main">
         <p15:guide id="1" orient="horz" pos="2228">
@@ -3770,7 +4118,7 @@
   <p:transition>
     <p:fade/>
   </p:transition>
-  <p:extLst mod="1">
+  <p:extLst>
     <p:ext uri="{DCECCB84-F9BA-43D5-87BE-67443E8EF086}">
       <p15:sldGuideLst xmlns:p15="http://schemas.microsoft.com/office/powerpoint/2012/main">
         <p15:guide id="1" orient="horz" pos="288" userDrawn="1">
@@ -3910,7 +4258,7 @@
   <p:transition>
     <p:fade/>
   </p:transition>
-  <p:extLst mod="1">
+  <p:extLst>
     <p:ext uri="{DCECCB84-F9BA-43D5-87BE-67443E8EF086}">
       <p15:sldGuideLst xmlns:p15="http://schemas.microsoft.com/office/powerpoint/2012/main">
         <p15:guide id="2" orient="horz" pos="1272" userDrawn="1">
@@ -4190,7 +4538,7 @@
   <p:transition>
     <p:fade/>
   </p:transition>
-  <p:extLst mod="1">
+  <p:extLst>
     <p:ext uri="{DCECCB84-F9BA-43D5-87BE-67443E8EF086}">
       <p15:sldGuideLst xmlns:p15="http://schemas.microsoft.com/office/powerpoint/2012/main">
         <p15:guide id="1" orient="horz" pos="288" userDrawn="1">
@@ -4470,7 +4818,7 @@
   <p:transition>
     <p:fade/>
   </p:transition>
-  <p:extLst mod="1">
+  <p:extLst>
     <p:ext uri="{DCECCB84-F9BA-43D5-87BE-67443E8EF086}">
       <p15:sldGuideLst xmlns:p15="http://schemas.microsoft.com/office/powerpoint/2012/main">
         <p15:guide id="1" orient="horz" pos="288" userDrawn="1">
@@ -4552,7 +4900,7 @@
   <p:transition>
     <p:fade/>
   </p:transition>
-  <p:extLst mod="1">
+  <p:extLst>
     <p:ext uri="{DCECCB84-F9BA-43D5-87BE-67443E8EF086}">
       <p15:sldGuideLst xmlns:p15="http://schemas.microsoft.com/office/powerpoint/2012/main">
         <p15:guide id="3" orient="horz" pos="900" userDrawn="1">
@@ -6785,7 +7133,7 @@
       </a:lvl9pPr>
     </p:otherStyle>
   </p:txStyles>
-  <p:extLst mod="1">
+  <p:extLst>
     <p:ext uri="{27BBF7A9-308A-43DC-89C8-2F10F3537804}">
       <p15:sldGuideLst xmlns:p15="http://schemas.microsoft.com/office/powerpoint/2012/main">
         <p15:guide id="16" pos="368" userDrawn="1">
@@ -6914,6 +7262,342 @@
       </p:transition>
     </mc:Fallback>
   </mc:AlternateContent>
+</p:sld>
+</file>
+
+<file path=ppt/slides/slide10.xml><?xml version="1.0" encoding="utf-8"?>
+<p:sld xmlns:a="http://schemas.openxmlformats.org/drawingml/2006/main" xmlns:r="http://schemas.openxmlformats.org/officeDocument/2006/relationships" xmlns:p="http://schemas.openxmlformats.org/presentationml/2006/main">
+  <p:cSld>
+    <p:spTree>
+      <p:nvGrpSpPr>
+        <p:cNvPr id="1" name=""/>
+        <p:cNvGrpSpPr/>
+        <p:nvPr/>
+      </p:nvGrpSpPr>
+      <p:grpSpPr>
+        <a:xfrm>
+          <a:off x="0" y="0"/>
+          <a:ext cx="0" cy="0"/>
+          <a:chOff x="0" y="0"/>
+          <a:chExt cx="0" cy="0"/>
+        </a:xfrm>
+      </p:grpSpPr>
+      <p:sp>
+        <p:nvSpPr>
+          <p:cNvPr id="2" name="Titre 1"/>
+          <p:cNvSpPr>
+            <a:spLocks noGrp="1"/>
+          </p:cNvSpPr>
+          <p:nvPr>
+            <p:ph type="title"/>
+          </p:nvPr>
+        </p:nvSpPr>
+        <p:spPr/>
+        <p:txBody>
+          <a:bodyPr/>
+          <a:lstStyle/>
+          <a:p>
+            <a:r>
+              <a:rPr lang="en-US" dirty="0"/>
+              <a:t>Let’s get acquainted !</a:t>
+            </a:r>
+          </a:p>
+        </p:txBody>
+      </p:sp>
+      <p:sp>
+        <p:nvSpPr>
+          <p:cNvPr id="3" name="Espace réservé du texte 2"/>
+          <p:cNvSpPr>
+            <a:spLocks noGrp="1"/>
+          </p:cNvSpPr>
+          <p:nvPr>
+            <p:ph type="body" sz="quarter" idx="10"/>
+          </p:nvPr>
+        </p:nvSpPr>
+        <p:spPr>
+          <a:xfrm>
+            <a:off x="586390" y="1434370"/>
+            <a:ext cx="11018520" cy="4567404"/>
+          </a:xfrm>
+        </p:spPr>
+        <p:txBody>
+          <a:bodyPr/>
+          <a:lstStyle/>
+          <a:p>
+            <a:pPr marL="457200" indent="-457200">
+              <a:buFont typeface="Arial" panose="020B0604020202020204" pitchFamily="34" charset="0"/>
+              <a:buChar char="•"/>
+            </a:pPr>
+            <a:r>
+              <a:rPr lang="en-US" dirty="0"/>
+              <a:t>Name</a:t>
+            </a:r>
+          </a:p>
+          <a:p>
+            <a:pPr marL="457200" indent="-457200">
+              <a:buFont typeface="Arial" panose="020B0604020202020204" pitchFamily="34" charset="0"/>
+              <a:buChar char="•"/>
+            </a:pPr>
+            <a:endParaRPr lang="en-US" dirty="0"/>
+          </a:p>
+          <a:p>
+            <a:pPr marL="457200" indent="-457200">
+              <a:buFont typeface="Arial" panose="020B0604020202020204" pitchFamily="34" charset="0"/>
+              <a:buChar char="•"/>
+            </a:pPr>
+            <a:r>
+              <a:rPr lang="en-US" dirty="0"/>
+              <a:t>Company affiliation</a:t>
+            </a:r>
+          </a:p>
+          <a:p>
+            <a:pPr marL="457200" indent="-457200">
+              <a:buFont typeface="Arial" panose="020B0604020202020204" pitchFamily="34" charset="0"/>
+              <a:buChar char="•"/>
+            </a:pPr>
+            <a:endParaRPr lang="en-US" dirty="0"/>
+          </a:p>
+          <a:p>
+            <a:pPr marL="457200" indent="-457200">
+              <a:buFont typeface="Arial" panose="020B0604020202020204" pitchFamily="34" charset="0"/>
+              <a:buChar char="•"/>
+            </a:pPr>
+            <a:r>
+              <a:rPr lang="en-US" dirty="0"/>
+              <a:t>Business role</a:t>
+            </a:r>
+          </a:p>
+          <a:p>
+            <a:pPr marL="457200" indent="-457200">
+              <a:buFont typeface="Arial" panose="020B0604020202020204" pitchFamily="34" charset="0"/>
+              <a:buChar char="•"/>
+            </a:pPr>
+            <a:endParaRPr lang="en-US" dirty="0"/>
+          </a:p>
+          <a:p>
+            <a:pPr marL="457200" indent="-457200">
+              <a:buFont typeface="Arial" panose="020B0604020202020204" pitchFamily="34" charset="0"/>
+              <a:buChar char="•"/>
+            </a:pPr>
+            <a:r>
+              <a:rPr lang="en-US" dirty="0"/>
+              <a:t>Office 365 / Azure experience</a:t>
+            </a:r>
+          </a:p>
+          <a:p>
+            <a:pPr marL="457200" indent="-457200">
+              <a:buFont typeface="Arial" panose="020B0604020202020204" pitchFamily="34" charset="0"/>
+              <a:buChar char="•"/>
+            </a:pPr>
+            <a:endParaRPr lang="en-US" dirty="0"/>
+          </a:p>
+          <a:p>
+            <a:pPr marL="457200" indent="-457200">
+              <a:buFont typeface="Arial" panose="020B0604020202020204" pitchFamily="34" charset="0"/>
+              <a:buChar char="•"/>
+            </a:pPr>
+            <a:r>
+              <a:rPr lang="en-US" dirty="0"/>
+              <a:t>Expectations for the course</a:t>
+            </a:r>
+          </a:p>
+        </p:txBody>
+      </p:sp>
+      <p:grpSp>
+        <p:nvGrpSpPr>
+          <p:cNvPr id="4" name="Group 10"/>
+          <p:cNvGrpSpPr>
+            <a:grpSpLocks noChangeAspect="1"/>
+          </p:cNvGrpSpPr>
+          <p:nvPr/>
+        </p:nvGrpSpPr>
+        <p:grpSpPr>
+          <a:xfrm>
+            <a:off x="8534258" y="1012746"/>
+            <a:ext cx="2091928" cy="1331227"/>
+            <a:chOff x="1066800" y="1066800"/>
+            <a:chExt cx="3352800" cy="2133600"/>
+          </a:xfrm>
+        </p:grpSpPr>
+        <p:grpSp>
+          <p:nvGrpSpPr>
+            <p:cNvPr id="5" name="Group 11"/>
+            <p:cNvGrpSpPr/>
+            <p:nvPr/>
+          </p:nvGrpSpPr>
+          <p:grpSpPr>
+            <a:xfrm>
+              <a:off x="1066800" y="1066800"/>
+              <a:ext cx="3352800" cy="2133600"/>
+              <a:chOff x="762000" y="1066800"/>
+              <a:chExt cx="3352800" cy="2133600"/>
+            </a:xfrm>
+            <a:solidFill>
+              <a:srgbClr val="0072C6"/>
+            </a:solidFill>
+          </p:grpSpPr>
+          <p:sp>
+            <p:nvSpPr>
+              <p:cNvPr id="7" name="Rounded Rectangle 13"/>
+              <p:cNvSpPr>
+                <a:spLocks noChangeAspect="1"/>
+              </p:cNvSpPr>
+              <p:nvPr/>
+            </p:nvSpPr>
+            <p:spPr>
+              <a:xfrm>
+                <a:off x="762000" y="1066800"/>
+                <a:ext cx="3352800" cy="2133600"/>
+              </a:xfrm>
+              <a:prstGeom prst="roundRect">
+                <a:avLst/>
+              </a:prstGeom>
+              <a:solidFill>
+                <a:srgbClr val="00188F"/>
+              </a:solidFill>
+              <a:ln>
+                <a:solidFill>
+                  <a:schemeClr val="tx1"/>
+                </a:solidFill>
+              </a:ln>
+            </p:spPr>
+            <p:style>
+              <a:lnRef idx="2">
+                <a:schemeClr val="accent1">
+                  <a:shade val="50000"/>
+                </a:schemeClr>
+              </a:lnRef>
+              <a:fillRef idx="1">
+                <a:schemeClr val="accent1"/>
+              </a:fillRef>
+              <a:effectRef idx="0">
+                <a:schemeClr val="accent1"/>
+              </a:effectRef>
+              <a:fontRef idx="minor">
+                <a:schemeClr val="lt1"/>
+              </a:fontRef>
+            </p:style>
+            <p:txBody>
+              <a:bodyPr rtlCol="0" anchor="ctr"/>
+              <a:lstStyle/>
+              <a:p>
+                <a:pPr algn="ctr"/>
+                <a:endParaRPr lang="en-US" dirty="0"/>
+              </a:p>
+            </p:txBody>
+          </p:sp>
+          <p:sp>
+            <p:nvSpPr>
+              <p:cNvPr id="8" name="Rectangle 7"/>
+              <p:cNvSpPr/>
+              <p:nvPr/>
+            </p:nvSpPr>
+            <p:spPr>
+              <a:xfrm>
+                <a:off x="762000" y="1676400"/>
+                <a:ext cx="3352800" cy="1219200"/>
+              </a:xfrm>
+              <a:prstGeom prst="rect">
+                <a:avLst/>
+              </a:prstGeom>
+              <a:solidFill>
+                <a:schemeClr val="bg1"/>
+              </a:solidFill>
+              <a:ln>
+                <a:solidFill>
+                  <a:schemeClr val="tx1"/>
+                </a:solidFill>
+              </a:ln>
+            </p:spPr>
+            <p:style>
+              <a:lnRef idx="2">
+                <a:schemeClr val="accent1">
+                  <a:shade val="50000"/>
+                </a:schemeClr>
+              </a:lnRef>
+              <a:fillRef idx="1">
+                <a:schemeClr val="accent1"/>
+              </a:fillRef>
+              <a:effectRef idx="0">
+                <a:schemeClr val="accent1"/>
+              </a:effectRef>
+              <a:fontRef idx="minor">
+                <a:schemeClr val="lt1"/>
+              </a:fontRef>
+            </p:style>
+            <p:txBody>
+              <a:bodyPr rtlCol="0" anchor="ctr"/>
+              <a:lstStyle/>
+              <a:p>
+                <a:pPr algn="ctr"/>
+                <a:endParaRPr lang="en-US" dirty="0"/>
+              </a:p>
+            </p:txBody>
+          </p:sp>
+        </p:grpSp>
+        <p:pic>
+          <p:nvPicPr>
+            <p:cNvPr id="6" name="Picture 2"/>
+            <p:cNvPicPr>
+              <a:picLocks noChangeAspect="1" noChangeArrowheads="1"/>
+            </p:cNvPicPr>
+            <p:nvPr/>
+          </p:nvPicPr>
+          <p:blipFill>
+            <a:blip r:embed="rId2">
+              <a:extLst>
+                <a:ext uri="{28A0092B-C50C-407E-A947-70E740481C1C}">
+                  <a14:useLocalDpi xmlns:a14="http://schemas.microsoft.com/office/drawing/2010/main" val="0"/>
+                </a:ext>
+              </a:extLst>
+            </a:blip>
+            <a:srcRect/>
+            <a:stretch>
+              <a:fillRect/>
+            </a:stretch>
+          </p:blipFill>
+          <p:spPr bwMode="auto">
+            <a:xfrm>
+              <a:off x="1824036" y="1161615"/>
+              <a:ext cx="1838325" cy="466725"/>
+            </a:xfrm>
+            <a:prstGeom prst="rect">
+              <a:avLst/>
+            </a:prstGeom>
+            <a:noFill/>
+            <a:ln w="9525">
+              <a:solidFill>
+                <a:schemeClr val="tx1"/>
+              </a:solidFill>
+              <a:miter lim="800000"/>
+              <a:headEnd/>
+              <a:tailEnd/>
+            </a:ln>
+            <a:extLst>
+              <a:ext uri="{909E8E84-426E-40DD-AFC4-6F175D3DCCD1}">
+                <a14:hiddenFill xmlns:a14="http://schemas.microsoft.com/office/drawing/2010/main">
+                  <a:solidFill>
+                    <a:schemeClr val="accent1"/>
+                  </a:solidFill>
+                </a14:hiddenFill>
+              </a:ext>
+            </a:extLst>
+          </p:spPr>
+        </p:pic>
+      </p:grpSp>
+    </p:spTree>
+    <p:extLst>
+      <p:ext uri="{BB962C8B-B14F-4D97-AF65-F5344CB8AC3E}">
+        <p14:creationId xmlns:p14="http://schemas.microsoft.com/office/powerpoint/2010/main" val="183271156"/>
+      </p:ext>
+    </p:extLst>
+  </p:cSld>
+  <p:clrMapOvr>
+    <a:masterClrMapping/>
+  </p:clrMapOvr>
+  <p:transition>
+    <p:fade/>
+  </p:transition>
 </p:sld>
 </file>
 
@@ -7649,9 +8333,14 @@
           <a:lstStyle/>
           <a:p>
             <a:r>
-              <a:rPr lang="en-US" dirty="0"/>
-              <a:t>Course Agenda (1/2)</a:t>
-            </a:r>
+              <a:rPr lang="bs-Latn-BA" dirty="0"/>
+              <a:t>Course Agenda</a:t>
+            </a:r>
+            <a:r>
+              <a:rPr lang="fr-FR" dirty="0"/>
+              <a:t> (1/7)</a:t>
+            </a:r>
+            <a:endParaRPr lang="en-US" dirty="0"/>
           </a:p>
         </p:txBody>
       </p:sp>
@@ -7668,7 +8357,7 @@
         <p:spPr>
           <a:xfrm>
             <a:off x="584200" y="1435497"/>
-            <a:ext cx="11018520" cy="5379934"/>
+            <a:ext cx="11018520" cy="5687711"/>
           </a:xfrm>
         </p:spPr>
         <p:txBody>
@@ -7676,51 +8365,55 @@
           <a:lstStyle/>
           <a:p>
             <a:r>
-              <a:rPr lang="en-US" dirty="0"/>
-              <a:t>Part 1 – Managing Microsoft 365 Identity and Access (1 Day)</a:t>
-            </a:r>
+              <a:rPr lang="bs-Latn-BA" dirty="0"/>
+              <a:t>Module 1:</a:t>
+            </a:r>
+            <a:r>
+              <a:rPr lang="en-US" dirty="0"/>
+              <a:t> User and Group Management</a:t>
+            </a:r>
+            <a:endParaRPr lang="bs-Latn-BA" dirty="0"/>
           </a:p>
           <a:p>
             <a:pPr lvl="1"/>
             <a:r>
               <a:rPr lang="en-US" dirty="0"/>
-              <a:t>M01: Users and Security Groups</a:t>
+              <a:t>Identity and Access Management Concepts</a:t>
             </a:r>
           </a:p>
           <a:p>
             <a:pPr lvl="1"/>
             <a:r>
-              <a:rPr lang="en-US" dirty="0">
-                <a:solidFill>
-                  <a:schemeClr val="accent5"/>
-                </a:solidFill>
-              </a:rPr>
-              <a:t>LAB: Managing your Microsoft 365 Identity environment</a:t>
+              <a:rPr lang="en-US" dirty="0"/>
+              <a:t>The Zero Trust model</a:t>
             </a:r>
           </a:p>
           <a:p>
             <a:pPr lvl="1"/>
             <a:r>
               <a:rPr lang="en-US" dirty="0"/>
-              <a:t>M02: Identity synchronization</a:t>
+              <a:t>Plan your identity and authentication solution</a:t>
             </a:r>
           </a:p>
           <a:p>
             <a:pPr lvl="1"/>
             <a:r>
-              <a:rPr lang="en-US" dirty="0">
-                <a:solidFill>
-                  <a:schemeClr val="accent5"/>
-                </a:solidFill>
-              </a:rPr>
-              <a:t>LAB: Implementing Identity Synchronization</a:t>
+              <a:rPr lang="en-US" dirty="0"/>
+              <a:t>User accounts and roles</a:t>
             </a:r>
           </a:p>
           <a:p>
             <a:pPr lvl="1"/>
             <a:r>
               <a:rPr lang="en-US" dirty="0"/>
-              <a:t>M03: Access Management</a:t>
+              <a:t>Identity Management</a:t>
+            </a:r>
+          </a:p>
+          <a:p>
+            <a:pPr lvl="1"/>
+            <a:r>
+              <a:rPr lang="en-US" dirty="0"/>
+              <a:t>Lab – Configure Privileged Identity Management</a:t>
             </a:r>
           </a:p>
           <a:p>
@@ -7729,59 +8422,60 @@
           </a:p>
           <a:p>
             <a:r>
-              <a:rPr lang="en-US" dirty="0"/>
-              <a:t>Part 2 – Implementing Microsoft 365 Threat Protection (1 Day)</a:t>
-            </a:r>
+              <a:rPr lang="bs-Latn-BA" dirty="0"/>
+              <a:t>Module 2: Identity Synchronization</a:t>
+            </a:r>
+            <a:r>
+              <a:rPr lang="en-US" dirty="0"/>
+              <a:t> and Protection</a:t>
+            </a:r>
+            <a:endParaRPr lang="bs-Latn-BA" dirty="0"/>
           </a:p>
           <a:p>
             <a:pPr lvl="1"/>
             <a:r>
               <a:rPr lang="en-US" dirty="0"/>
-              <a:t>M01: Security in Microsoft 365</a:t>
+              <a:t>Plan directory synchronization </a:t>
             </a:r>
           </a:p>
           <a:p>
             <a:pPr lvl="1"/>
             <a:r>
               <a:rPr lang="en-US" dirty="0"/>
-              <a:t>M02: Advanced Threat Protection</a:t>
+              <a:t>Configure and manage synchronized identities</a:t>
             </a:r>
           </a:p>
           <a:p>
             <a:pPr lvl="1"/>
             <a:r>
               <a:rPr lang="en-US" dirty="0"/>
-              <a:t>M03: Threat Intelligence</a:t>
+              <a:t>Password management</a:t>
             </a:r>
           </a:p>
           <a:p>
             <a:pPr lvl="1"/>
             <a:r>
               <a:rPr lang="en-US" dirty="0"/>
-              <a:t>M04: Mobile Device Management</a:t>
+              <a:t>Azure AD Identity Protection</a:t>
             </a:r>
           </a:p>
           <a:p>
             <a:pPr lvl="1"/>
             <a:r>
-              <a:rPr lang="en-US" dirty="0">
-                <a:solidFill>
-                  <a:schemeClr val="accent5"/>
-                </a:solidFill>
-              </a:rPr>
-              <a:t>LAB:  Implementing Microsoft 365 Threat Protection</a:t>
-            </a:r>
-          </a:p>
-          <a:p>
-            <a:pPr lvl="1"/>
-            <a:endParaRPr lang="en-US" dirty="0"/>
+              <a:rPr lang="en-US" dirty="0"/>
+              <a:t>Lab – Implementing Identity Synchronization</a:t>
+            </a:r>
+            <a:br>
+              <a:rPr lang="en-US" dirty="0"/>
+            </a:br>
+            <a:endParaRPr lang="bs-Latn-BA" dirty="0"/>
           </a:p>
         </p:txBody>
       </p:sp>
     </p:spTree>
     <p:extLst>
       <p:ext uri="{BB962C8B-B14F-4D97-AF65-F5344CB8AC3E}">
-        <p14:creationId xmlns:p14="http://schemas.microsoft.com/office/powerpoint/2010/main" val="1793706927"/>
+        <p14:creationId xmlns:p14="http://schemas.microsoft.com/office/powerpoint/2010/main" val="3111323014"/>
       </p:ext>
     </p:extLst>
   </p:cSld>
@@ -7822,7 +8516,13 @@
       </p:grpSpPr>
       <p:sp>
         <p:nvSpPr>
-          <p:cNvPr id="17" name="Title 16"/>
+          <p:cNvPr id="2" name="Title 1">
+            <a:extLst>
+              <a:ext uri="{FF2B5EF4-FFF2-40B4-BE49-F238E27FC236}">
+                <a16:creationId xmlns:a16="http://schemas.microsoft.com/office/drawing/2014/main" id="{62303B20-FDC9-4A07-ABCA-6A6AACA64E93}"/>
+              </a:ext>
+            </a:extLst>
+          </p:cNvPr>
           <p:cNvSpPr>
             <a:spLocks noGrp="1"/>
           </p:cNvSpPr>
@@ -7836,15 +8536,30 @@
           <a:lstStyle/>
           <a:p>
             <a:r>
-              <a:rPr lang="en-US" dirty="0"/>
-              <a:t>Course Agenda (2/2)</a:t>
-            </a:r>
+              <a:rPr lang="bs-Latn-BA" dirty="0"/>
+              <a:t>Course Agenda (</a:t>
+            </a:r>
+            <a:r>
+              <a:rPr lang="fr-FR" dirty="0"/>
+              <a:t>2/7</a:t>
+            </a:r>
+            <a:r>
+              <a:rPr lang="bs-Latn-BA" dirty="0"/>
+              <a:t>)</a:t>
+            </a:r>
+            <a:endParaRPr lang="en-US" dirty="0"/>
           </a:p>
         </p:txBody>
       </p:sp>
       <p:sp>
         <p:nvSpPr>
-          <p:cNvPr id="6" name="Text Placeholder 5"/>
+          <p:cNvPr id="3" name="Text Placeholder 2">
+            <a:extLst>
+              <a:ext uri="{FF2B5EF4-FFF2-40B4-BE49-F238E27FC236}">
+                <a16:creationId xmlns:a16="http://schemas.microsoft.com/office/drawing/2014/main" id="{F4E1CD0A-3BA7-4E22-A032-5FD5746E3AA6}"/>
+              </a:ext>
+            </a:extLst>
+          </p:cNvPr>
           <p:cNvSpPr>
             <a:spLocks noGrp="1"/>
           </p:cNvSpPr>
@@ -7855,7 +8570,7 @@
         <p:spPr>
           <a:xfrm>
             <a:off x="584200" y="1435497"/>
-            <a:ext cx="11018520" cy="4271939"/>
+            <a:ext cx="11018520" cy="5010602"/>
           </a:xfrm>
         </p:spPr>
         <p:txBody>
@@ -7863,40 +8578,51 @@
           <a:lstStyle/>
           <a:p>
             <a:r>
-              <a:rPr lang="en-US" dirty="0"/>
-              <a:t>Part 3 – Implementing Microsoft 365 Information Protection (1 Day)</a:t>
+              <a:rPr lang="bs-Latn-BA" dirty="0"/>
+              <a:t>Module </a:t>
+            </a:r>
+            <a:r>
+              <a:rPr lang="en-US" dirty="0"/>
+              <a:t>3</a:t>
+            </a:r>
+            <a:r>
+              <a:rPr lang="bs-Latn-BA" dirty="0"/>
+              <a:t>: Access Management</a:t>
             </a:r>
           </a:p>
           <a:p>
             <a:pPr lvl="1"/>
             <a:r>
               <a:rPr lang="en-US" dirty="0"/>
-              <a:t>M01: Information Protection</a:t>
+              <a:t>Conditional access </a:t>
             </a:r>
           </a:p>
           <a:p>
             <a:pPr lvl="1"/>
             <a:r>
               <a:rPr lang="en-US" dirty="0"/>
-              <a:t>M02: Data Loss Prevention</a:t>
+              <a:t>Manage device access </a:t>
             </a:r>
           </a:p>
           <a:p>
             <a:pPr lvl="1"/>
             <a:r>
               <a:rPr lang="en-US" dirty="0"/>
-              <a:t>M03: Cloud Application Security</a:t>
+              <a:t>Role Based Access Control (RBAC) </a:t>
             </a:r>
           </a:p>
           <a:p>
             <a:pPr lvl="1"/>
             <a:r>
-              <a:rPr lang="en-US" dirty="0">
-                <a:solidFill>
-                  <a:schemeClr val="accent5"/>
-                </a:solidFill>
-              </a:rPr>
-              <a:t>LAB: Implementing Microsoft 365 Information Protection</a:t>
+              <a:rPr lang="en-US" dirty="0"/>
+              <a:t>Solutions for external access</a:t>
+            </a:r>
+          </a:p>
+          <a:p>
+            <a:pPr lvl="1"/>
+            <a:r>
+              <a:rPr lang="en-US" dirty="0"/>
+              <a:t>Lab – Use Conditional Access to enable MFA</a:t>
             </a:r>
           </a:p>
           <a:p>
@@ -7905,79 +8631,73 @@
           </a:p>
           <a:p>
             <a:r>
-              <a:rPr lang="en-US" dirty="0"/>
-              <a:t>Part 4 – Administering Microsoft 365 built-in compliance (1 Day)</a:t>
-            </a:r>
+              <a:rPr lang="bs-Latn-BA" dirty="0"/>
+              <a:t>Module </a:t>
+            </a:r>
+            <a:r>
+              <a:rPr lang="en-US" dirty="0"/>
+              <a:t>4</a:t>
+            </a:r>
+            <a:r>
+              <a:rPr lang="bs-Latn-BA" dirty="0"/>
+              <a:t>: </a:t>
+            </a:r>
+            <a:r>
+              <a:rPr lang="en-US" dirty="0"/>
+              <a:t>Security in Microsoft 365</a:t>
+            </a:r>
+            <a:endParaRPr lang="bs-Latn-BA" dirty="0"/>
           </a:p>
           <a:p>
             <a:pPr lvl="1"/>
             <a:r>
               <a:rPr lang="en-US" dirty="0"/>
-              <a:t>M01: Archiving and Retention</a:t>
+              <a:t>Threat vectors and data breaches</a:t>
             </a:r>
           </a:p>
           <a:p>
             <a:pPr lvl="1"/>
             <a:r>
               <a:rPr lang="en-US" dirty="0"/>
-              <a:t>M02: Data governance in Microsoft 365</a:t>
+              <a:t>Security strategy and principles</a:t>
             </a:r>
           </a:p>
           <a:p>
             <a:pPr lvl="1"/>
             <a:r>
               <a:rPr lang="en-US" dirty="0"/>
-              <a:t>M03: Managing Search and Investigation</a:t>
+              <a:t>Security solutions for Microsoft 365</a:t>
             </a:r>
           </a:p>
           <a:p>
             <a:pPr lvl="1"/>
             <a:r>
-              <a:rPr lang="en-US" dirty="0">
-                <a:solidFill>
-                  <a:schemeClr val="accent5"/>
-                </a:solidFill>
-              </a:rPr>
-              <a:t>LAB:  Administering Microsoft 365 </a:t>
-            </a:r>
-            <a:r>
-              <a:rPr lang="en-US">
-                <a:solidFill>
-                  <a:schemeClr val="accent5"/>
-                </a:solidFill>
-              </a:rPr>
-              <a:t>built-in compliance</a:t>
-            </a:r>
-            <a:endParaRPr lang="en-US" dirty="0">
-              <a:solidFill>
-                <a:schemeClr val="accent5"/>
-              </a:solidFill>
-            </a:endParaRPr>
+              <a:rPr lang="en-US" dirty="0"/>
+              <a:t>Secure Score</a:t>
+            </a:r>
+          </a:p>
+          <a:p>
+            <a:pPr lvl="1"/>
+            <a:r>
+              <a:rPr lang="en-US" dirty="0"/>
+              <a:t>Lab – Use Microsoft Secure Score</a:t>
+            </a:r>
           </a:p>
         </p:txBody>
       </p:sp>
     </p:spTree>
     <p:extLst>
       <p:ext uri="{BB962C8B-B14F-4D97-AF65-F5344CB8AC3E}">
-        <p14:creationId xmlns:p14="http://schemas.microsoft.com/office/powerpoint/2010/main" val="43435216"/>
+        <p14:creationId xmlns:p14="http://schemas.microsoft.com/office/powerpoint/2010/main" val="1491921647"/>
       </p:ext>
     </p:extLst>
   </p:cSld>
   <p:clrMapOvr>
     <a:masterClrMapping/>
   </p:clrMapOvr>
-  <mc:AlternateContent xmlns:mc="http://schemas.openxmlformats.org/markup-compatibility/2006" xmlns:p14="http://schemas.microsoft.com/office/powerpoint/2010/main">
-    <mc:Choice Requires="p14">
-      <p:transition spd="med" p14:dur="700">
-        <p:fade/>
-      </p:transition>
-    </mc:Choice>
-    <mc:Fallback xmlns="">
-      <p:transition spd="med">
-        <p:fade/>
-      </p:transition>
-    </mc:Fallback>
-  </mc:AlternateContent>
+  <p:transition>
+    <p:fade/>
+  </p:transition>
 </p:sld>
 </file>
 
@@ -8000,7 +8720,7 @@
       </p:grpSpPr>
       <p:sp>
         <p:nvSpPr>
-          <p:cNvPr id="2" name="Titre 1"/>
+          <p:cNvPr id="17" name="Title 16"/>
           <p:cNvSpPr>
             <a:spLocks noGrp="1"/>
           </p:cNvSpPr>
@@ -8014,15 +8734,19 @@
           <a:lstStyle/>
           <a:p>
             <a:r>
-              <a:rPr lang="en-US" dirty="0"/>
-              <a:t>Let’s get acquainted !</a:t>
+              <a:rPr lang="bs-Latn-BA" dirty="0"/>
+              <a:t>Course Agenda</a:t>
+            </a:r>
+            <a:r>
+              <a:rPr lang="en-US" dirty="0"/>
+              <a:t> (3/7)</a:t>
             </a:r>
           </a:p>
         </p:txBody>
       </p:sp>
       <p:sp>
         <p:nvSpPr>
-          <p:cNvPr id="3" name="Espace réservé du texte 2"/>
+          <p:cNvPr id="6" name="Text Placeholder 5"/>
           <p:cNvSpPr>
             <a:spLocks noGrp="1"/>
           </p:cNvSpPr>
@@ -8032,279 +8756,361 @@
         </p:nvSpPr>
         <p:spPr>
           <a:xfrm>
-            <a:off x="586390" y="1434370"/>
-            <a:ext cx="11018520" cy="4567404"/>
+            <a:off x="586740" y="1117797"/>
+            <a:ext cx="11018520" cy="5749266"/>
           </a:xfrm>
         </p:spPr>
         <p:txBody>
           <a:bodyPr/>
           <a:lstStyle/>
           <a:p>
-            <a:pPr marL="457200" indent="-457200">
-              <a:buFont typeface="Arial" panose="020B0604020202020204" pitchFamily="34" charset="0"/>
-              <a:buChar char="•"/>
-            </a:pPr>
-            <a:r>
-              <a:rPr lang="en-US" dirty="0"/>
-              <a:t>Name</a:t>
-            </a:r>
-          </a:p>
-          <a:p>
-            <a:pPr marL="457200" indent="-457200">
-              <a:buFont typeface="Arial" panose="020B0604020202020204" pitchFamily="34" charset="0"/>
-              <a:buChar char="•"/>
-            </a:pPr>
+            <a:r>
+              <a:rPr lang="bs-Latn-BA" dirty="0"/>
+              <a:t>Module </a:t>
+            </a:r>
+            <a:r>
+              <a:rPr lang="en-US" dirty="0"/>
+              <a:t>5</a:t>
+            </a:r>
+            <a:r>
+              <a:rPr lang="bs-Latn-BA" dirty="0"/>
+              <a:t>: Threat Protection</a:t>
+            </a:r>
+          </a:p>
+          <a:p>
+            <a:pPr lvl="1"/>
+            <a:r>
+              <a:rPr lang="en-US" dirty="0"/>
+              <a:t>Exchange Online Protection (EOP)</a:t>
+            </a:r>
+          </a:p>
+          <a:p>
+            <a:pPr lvl="1"/>
+            <a:r>
+              <a:rPr lang="en-US" dirty="0"/>
+              <a:t>Office 365 Advanced Threat Protection</a:t>
+            </a:r>
+          </a:p>
+          <a:p>
+            <a:pPr lvl="1"/>
+            <a:r>
+              <a:rPr lang="en-US" dirty="0"/>
+              <a:t>Manage Safe Attachments</a:t>
+            </a:r>
+          </a:p>
+          <a:p>
+            <a:pPr lvl="1"/>
+            <a:r>
+              <a:rPr lang="en-US" dirty="0"/>
+              <a:t>Manage Safe Links</a:t>
+            </a:r>
+          </a:p>
+          <a:p>
+            <a:pPr lvl="1"/>
+            <a:r>
+              <a:rPr lang="bs-Latn-BA" dirty="0"/>
+              <a:t>Azure Advanced Threat Protection</a:t>
+            </a:r>
             <a:endParaRPr lang="en-US" dirty="0"/>
           </a:p>
           <a:p>
-            <a:pPr marL="457200" indent="-457200">
-              <a:buFont typeface="Arial" panose="020B0604020202020204" pitchFamily="34" charset="0"/>
-              <a:buChar char="•"/>
-            </a:pPr>
-            <a:r>
-              <a:rPr lang="en-US" dirty="0"/>
-              <a:t>Company affiliation</a:t>
-            </a:r>
-          </a:p>
-          <a:p>
-            <a:pPr marL="457200" indent="-457200">
-              <a:buFont typeface="Arial" panose="020B0604020202020204" pitchFamily="34" charset="0"/>
-              <a:buChar char="•"/>
-            </a:pPr>
+            <a:pPr lvl="1"/>
+            <a:r>
+              <a:rPr lang="en-US" dirty="0"/>
+              <a:t>Microsoft Defender Advanced Threat Protection </a:t>
+            </a:r>
+          </a:p>
+          <a:p>
+            <a:pPr lvl="1"/>
+            <a:r>
+              <a:rPr lang="en-US" dirty="0"/>
+              <a:t>Lab – Manage Microsoft 365 Security Services</a:t>
+            </a:r>
+          </a:p>
+          <a:p>
+            <a:pPr lvl="1"/>
             <a:endParaRPr lang="en-US" dirty="0"/>
           </a:p>
           <a:p>
-            <a:pPr marL="457200" indent="-457200">
-              <a:buFont typeface="Arial" panose="020B0604020202020204" pitchFamily="34" charset="0"/>
-              <a:buChar char="•"/>
-            </a:pPr>
-            <a:r>
-              <a:rPr lang="en-US" dirty="0"/>
-              <a:t>Business role</a:t>
-            </a:r>
-          </a:p>
-          <a:p>
-            <a:pPr marL="457200" indent="-457200">
-              <a:buFont typeface="Arial" panose="020B0604020202020204" pitchFamily="34" charset="0"/>
-              <a:buChar char="•"/>
-            </a:pPr>
-            <a:endParaRPr lang="en-US" dirty="0"/>
-          </a:p>
-          <a:p>
-            <a:pPr marL="457200" indent="-457200">
-              <a:buFont typeface="Arial" panose="020B0604020202020204" pitchFamily="34" charset="0"/>
-              <a:buChar char="•"/>
-            </a:pPr>
-            <a:r>
-              <a:rPr lang="en-US" dirty="0"/>
-              <a:t>Office 365 / Azure experience</a:t>
-            </a:r>
-          </a:p>
-          <a:p>
-            <a:pPr marL="457200" indent="-457200">
-              <a:buFont typeface="Arial" panose="020B0604020202020204" pitchFamily="34" charset="0"/>
-              <a:buChar char="•"/>
-            </a:pPr>
-            <a:endParaRPr lang="en-US" dirty="0"/>
-          </a:p>
-          <a:p>
-            <a:pPr marL="457200" indent="-457200">
-              <a:buFont typeface="Arial" panose="020B0604020202020204" pitchFamily="34" charset="0"/>
-              <a:buChar char="•"/>
-            </a:pPr>
-            <a:r>
-              <a:rPr lang="en-US" dirty="0"/>
-              <a:t>Expectations for the course</a:t>
-            </a:r>
+            <a:r>
+              <a:rPr lang="bs-Latn-BA" dirty="0"/>
+              <a:t>Module </a:t>
+            </a:r>
+            <a:r>
+              <a:rPr lang="en-US" dirty="0"/>
+              <a:t>6</a:t>
+            </a:r>
+            <a:r>
+              <a:rPr lang="bs-Latn-BA" dirty="0"/>
+              <a:t>: Threat </a:t>
+            </a:r>
+            <a:r>
+              <a:rPr lang="en-US" dirty="0"/>
+              <a:t>Management</a:t>
+            </a:r>
+            <a:endParaRPr lang="bs-Latn-BA" dirty="0"/>
+          </a:p>
+          <a:p>
+            <a:pPr lvl="1"/>
+            <a:r>
+              <a:rPr lang="en-US" dirty="0"/>
+              <a:t>Security dashboard</a:t>
+            </a:r>
+          </a:p>
+          <a:p>
+            <a:pPr lvl="1"/>
+            <a:r>
+              <a:rPr lang="en-US" dirty="0"/>
+              <a:t>Threat investigation and response</a:t>
+            </a:r>
+          </a:p>
+          <a:p>
+            <a:pPr lvl="1"/>
+            <a:r>
+              <a:rPr lang="en-US" dirty="0"/>
+              <a:t>Azure Sentinel</a:t>
+            </a:r>
+          </a:p>
+          <a:p>
+            <a:pPr lvl="1"/>
+            <a:r>
+              <a:rPr lang="en-US" dirty="0"/>
+              <a:t>Advanced Threat Analytics</a:t>
+            </a:r>
+          </a:p>
+          <a:p>
+            <a:pPr lvl="1"/>
+            <a:r>
+              <a:rPr lang="en-US" dirty="0"/>
+              <a:t>Lab – Use Attack Simulator</a:t>
+            </a:r>
+            <a:endParaRPr lang="bs-Latn-BA" dirty="0"/>
           </a:p>
         </p:txBody>
       </p:sp>
-      <p:grpSp>
-        <p:nvGrpSpPr>
-          <p:cNvPr id="4" name="Group 10"/>
-          <p:cNvGrpSpPr>
-            <a:grpSpLocks noChangeAspect="1"/>
-          </p:cNvGrpSpPr>
-          <p:nvPr/>
-        </p:nvGrpSpPr>
-        <p:grpSpPr>
-          <a:xfrm>
-            <a:off x="8534258" y="1012746"/>
-            <a:ext cx="2091928" cy="1331227"/>
-            <a:chOff x="1066800" y="1066800"/>
-            <a:chExt cx="3352800" cy="2133600"/>
-          </a:xfrm>
-        </p:grpSpPr>
-        <p:grpSp>
-          <p:nvGrpSpPr>
-            <p:cNvPr id="5" name="Group 11"/>
-            <p:cNvGrpSpPr/>
-            <p:nvPr/>
-          </p:nvGrpSpPr>
-          <p:grpSpPr>
-            <a:xfrm>
-              <a:off x="1066800" y="1066800"/>
-              <a:ext cx="3352800" cy="2133600"/>
-              <a:chOff x="762000" y="1066800"/>
-              <a:chExt cx="3352800" cy="2133600"/>
-            </a:xfrm>
-            <a:solidFill>
-              <a:srgbClr val="0072C6"/>
-            </a:solidFill>
-          </p:grpSpPr>
-          <p:sp>
-            <p:nvSpPr>
-              <p:cNvPr id="7" name="Rounded Rectangle 13"/>
-              <p:cNvSpPr>
-                <a:spLocks noChangeAspect="1"/>
-              </p:cNvSpPr>
-              <p:nvPr/>
-            </p:nvSpPr>
-            <p:spPr>
-              <a:xfrm>
-                <a:off x="762000" y="1066800"/>
-                <a:ext cx="3352800" cy="2133600"/>
-              </a:xfrm>
-              <a:prstGeom prst="roundRect">
-                <a:avLst/>
-              </a:prstGeom>
-              <a:solidFill>
-                <a:srgbClr val="00188F"/>
-              </a:solidFill>
-              <a:ln>
-                <a:solidFill>
-                  <a:schemeClr val="tx1"/>
-                </a:solidFill>
-              </a:ln>
-            </p:spPr>
-            <p:style>
-              <a:lnRef idx="2">
-                <a:schemeClr val="accent1">
-                  <a:shade val="50000"/>
-                </a:schemeClr>
-              </a:lnRef>
-              <a:fillRef idx="1">
-                <a:schemeClr val="accent1"/>
-              </a:fillRef>
-              <a:effectRef idx="0">
-                <a:schemeClr val="accent1"/>
-              </a:effectRef>
-              <a:fontRef idx="minor">
-                <a:schemeClr val="lt1"/>
-              </a:fontRef>
-            </p:style>
-            <p:txBody>
-              <a:bodyPr rtlCol="0" anchor="ctr"/>
-              <a:lstStyle/>
-              <a:p>
-                <a:pPr algn="ctr"/>
-                <a:endParaRPr lang="en-US" dirty="0"/>
-              </a:p>
-            </p:txBody>
-          </p:sp>
-          <p:sp>
-            <p:nvSpPr>
-              <p:cNvPr id="8" name="Rectangle 7"/>
-              <p:cNvSpPr/>
-              <p:nvPr/>
-            </p:nvSpPr>
-            <p:spPr>
-              <a:xfrm>
-                <a:off x="762000" y="1676400"/>
-                <a:ext cx="3352800" cy="1219200"/>
-              </a:xfrm>
-              <a:prstGeom prst="rect">
-                <a:avLst/>
-              </a:prstGeom>
-              <a:solidFill>
-                <a:schemeClr val="bg1"/>
-              </a:solidFill>
-              <a:ln>
-                <a:solidFill>
-                  <a:schemeClr val="tx1"/>
-                </a:solidFill>
-              </a:ln>
-            </p:spPr>
-            <p:style>
-              <a:lnRef idx="2">
-                <a:schemeClr val="accent1">
-                  <a:shade val="50000"/>
-                </a:schemeClr>
-              </a:lnRef>
-              <a:fillRef idx="1">
-                <a:schemeClr val="accent1"/>
-              </a:fillRef>
-              <a:effectRef idx="0">
-                <a:schemeClr val="accent1"/>
-              </a:effectRef>
-              <a:fontRef idx="minor">
-                <a:schemeClr val="lt1"/>
-              </a:fontRef>
-            </p:style>
-            <p:txBody>
-              <a:bodyPr rtlCol="0" anchor="ctr"/>
-              <a:lstStyle/>
-              <a:p>
-                <a:pPr algn="ctr"/>
-                <a:endParaRPr lang="en-US" dirty="0"/>
-              </a:p>
-            </p:txBody>
-          </p:sp>
-        </p:grpSp>
-        <p:pic>
-          <p:nvPicPr>
-            <p:cNvPr id="6" name="Picture 2"/>
-            <p:cNvPicPr>
-              <a:picLocks noChangeAspect="1" noChangeArrowheads="1"/>
-            </p:cNvPicPr>
-            <p:nvPr/>
-          </p:nvPicPr>
-          <p:blipFill>
-            <a:blip r:embed="rId2">
-              <a:extLst>
-                <a:ext uri="{28A0092B-C50C-407E-A947-70E740481C1C}">
-                  <a14:useLocalDpi xmlns:a14="http://schemas.microsoft.com/office/drawing/2010/main" val="0"/>
-                </a:ext>
-              </a:extLst>
-            </a:blip>
-            <a:srcRect/>
-            <a:stretch>
-              <a:fillRect/>
-            </a:stretch>
-          </p:blipFill>
-          <p:spPr bwMode="auto">
-            <a:xfrm>
-              <a:off x="1824036" y="1161615"/>
-              <a:ext cx="1838325" cy="466725"/>
-            </a:xfrm>
-            <a:prstGeom prst="rect">
-              <a:avLst/>
-            </a:prstGeom>
-            <a:noFill/>
-            <a:ln w="9525">
-              <a:solidFill>
-                <a:schemeClr val="tx1"/>
-              </a:solidFill>
-              <a:miter lim="800000"/>
-              <a:headEnd/>
-              <a:tailEnd/>
-            </a:ln>
-            <a:extLst>
-              <a:ext uri="{909E8E84-426E-40DD-AFC4-6F175D3DCCD1}">
-                <a14:hiddenFill xmlns:a14="http://schemas.microsoft.com/office/drawing/2010/main">
-                  <a:solidFill>
-                    <a:schemeClr val="accent1"/>
-                  </a:solidFill>
-                </a14:hiddenFill>
-              </a:ext>
-            </a:extLst>
-          </p:spPr>
-        </p:pic>
-      </p:grpSp>
     </p:spTree>
     <p:extLst>
       <p:ext uri="{BB962C8B-B14F-4D97-AF65-F5344CB8AC3E}">
-        <p14:creationId xmlns:p14="http://schemas.microsoft.com/office/powerpoint/2010/main" val="183271156"/>
+        <p14:creationId xmlns:p14="http://schemas.microsoft.com/office/powerpoint/2010/main" val="145736781"/>
+      </p:ext>
+    </p:extLst>
+  </p:cSld>
+  <p:clrMapOvr>
+    <a:masterClrMapping/>
+  </p:clrMapOvr>
+  <mc:AlternateContent xmlns:mc="http://schemas.openxmlformats.org/markup-compatibility/2006" xmlns:p14="http://schemas.microsoft.com/office/powerpoint/2010/main">
+    <mc:Choice Requires="p14">
+      <p:transition spd="med" p14:dur="700">
+        <p:fade/>
+      </p:transition>
+    </mc:Choice>
+    <mc:Fallback xmlns="">
+      <p:transition spd="med">
+        <p:fade/>
+      </p:transition>
+    </mc:Fallback>
+  </mc:AlternateContent>
+</p:sld>
+</file>
+
+<file path=ppt/slides/slide6.xml><?xml version="1.0" encoding="utf-8"?>
+<p:sld xmlns:a="http://schemas.openxmlformats.org/drawingml/2006/main" xmlns:r="http://schemas.openxmlformats.org/officeDocument/2006/relationships" xmlns:p="http://schemas.openxmlformats.org/presentationml/2006/main">
+  <p:cSld>
+    <p:spTree>
+      <p:nvGrpSpPr>
+        <p:cNvPr id="1" name=""/>
+        <p:cNvGrpSpPr/>
+        <p:nvPr/>
+      </p:nvGrpSpPr>
+      <p:grpSpPr>
+        <a:xfrm>
+          <a:off x="0" y="0"/>
+          <a:ext cx="0" cy="0"/>
+          <a:chOff x="0" y="0"/>
+          <a:chExt cx="0" cy="0"/>
+        </a:xfrm>
+      </p:grpSpPr>
+      <p:sp>
+        <p:nvSpPr>
+          <p:cNvPr id="2" name="Title 1">
+            <a:extLst>
+              <a:ext uri="{FF2B5EF4-FFF2-40B4-BE49-F238E27FC236}">
+                <a16:creationId xmlns:a16="http://schemas.microsoft.com/office/drawing/2014/main" id="{62303B20-FDC9-4A07-ABCA-6A6AACA64E93}"/>
+              </a:ext>
+            </a:extLst>
+          </p:cNvPr>
+          <p:cNvSpPr>
+            <a:spLocks noGrp="1"/>
+          </p:cNvSpPr>
+          <p:nvPr>
+            <p:ph type="title"/>
+          </p:nvPr>
+        </p:nvSpPr>
+        <p:spPr>
+          <a:xfrm>
+            <a:off x="586740" y="223935"/>
+            <a:ext cx="11018520" cy="553998"/>
+          </a:xfrm>
+        </p:spPr>
+        <p:txBody>
+          <a:bodyPr/>
+          <a:lstStyle/>
+          <a:p>
+            <a:r>
+              <a:rPr lang="bs-Latn-BA" dirty="0"/>
+              <a:t>Course Agenda (</a:t>
+            </a:r>
+            <a:r>
+              <a:rPr lang="fr-FR" dirty="0"/>
+              <a:t>4/7</a:t>
+            </a:r>
+            <a:r>
+              <a:rPr lang="bs-Latn-BA" dirty="0"/>
+              <a:t>)</a:t>
+            </a:r>
+            <a:endParaRPr lang="en-US" dirty="0"/>
+          </a:p>
+        </p:txBody>
+      </p:sp>
+      <p:sp>
+        <p:nvSpPr>
+          <p:cNvPr id="3" name="Text Placeholder 2">
+            <a:extLst>
+              <a:ext uri="{FF2B5EF4-FFF2-40B4-BE49-F238E27FC236}">
+                <a16:creationId xmlns:a16="http://schemas.microsoft.com/office/drawing/2014/main" id="{F4E1CD0A-3BA7-4E22-A032-5FD5746E3AA6}"/>
+              </a:ext>
+            </a:extLst>
+          </p:cNvPr>
+          <p:cNvSpPr>
+            <a:spLocks noGrp="1"/>
+          </p:cNvSpPr>
+          <p:nvPr>
+            <p:ph type="body" sz="quarter" idx="10"/>
+          </p:nvPr>
+        </p:nvSpPr>
+        <p:spPr>
+          <a:xfrm>
+            <a:off x="588263" y="1395167"/>
+            <a:ext cx="11018520" cy="5527667"/>
+          </a:xfrm>
+        </p:spPr>
+        <p:txBody>
+          <a:bodyPr/>
+          <a:lstStyle/>
+          <a:p>
+            <a:r>
+              <a:rPr lang="bs-Latn-BA" dirty="0"/>
+              <a:t>Module </a:t>
+            </a:r>
+            <a:r>
+              <a:rPr lang="en-US" dirty="0"/>
+              <a:t>7</a:t>
+            </a:r>
+            <a:r>
+              <a:rPr lang="bs-Latn-BA" dirty="0"/>
+              <a:t>: </a:t>
+            </a:r>
+            <a:r>
+              <a:rPr lang="en-US" dirty="0"/>
+              <a:t>Cloud Application Security</a:t>
+            </a:r>
+            <a:endParaRPr lang="bs-Latn-BA" dirty="0"/>
+          </a:p>
+          <a:p>
+            <a:pPr lvl="1"/>
+            <a:r>
+              <a:rPr lang="en-US" dirty="0"/>
+              <a:t>Deploy Cloud Application Security</a:t>
+            </a:r>
+          </a:p>
+          <a:p>
+            <a:pPr lvl="1"/>
+            <a:r>
+              <a:rPr lang="en-US" dirty="0"/>
+              <a:t>Use Cloud Application Security Information </a:t>
+            </a:r>
+          </a:p>
+          <a:p>
+            <a:pPr lvl="1"/>
+            <a:endParaRPr lang="en-US" dirty="0"/>
+          </a:p>
+          <a:p>
+            <a:r>
+              <a:rPr lang="bs-Latn-BA" dirty="0"/>
+              <a:t>Module </a:t>
+            </a:r>
+            <a:r>
+              <a:rPr lang="en-US" dirty="0"/>
+              <a:t>8</a:t>
+            </a:r>
+            <a:r>
+              <a:rPr lang="bs-Latn-BA" dirty="0"/>
+              <a:t>: </a:t>
+            </a:r>
+            <a:r>
+              <a:rPr lang="en-US" dirty="0"/>
+              <a:t>Mobility</a:t>
+            </a:r>
+            <a:endParaRPr lang="bs-Latn-BA" dirty="0"/>
+          </a:p>
+          <a:p>
+            <a:pPr lvl="1"/>
+            <a:r>
+              <a:rPr lang="en-US" dirty="0"/>
+              <a:t>Mobile Application Management (MAM)</a:t>
+            </a:r>
+          </a:p>
+          <a:p>
+            <a:pPr lvl="1"/>
+            <a:r>
+              <a:rPr lang="en-US" dirty="0"/>
+              <a:t>Mobile Device Management (MDM)</a:t>
+            </a:r>
+          </a:p>
+          <a:p>
+            <a:pPr lvl="1"/>
+            <a:r>
+              <a:rPr lang="en-US" dirty="0"/>
+              <a:t>Deploy mobile device services</a:t>
+            </a:r>
+          </a:p>
+          <a:p>
+            <a:pPr lvl="1"/>
+            <a:r>
+              <a:rPr lang="en-US" dirty="0"/>
+              <a:t>Enroll devices to Mobile Device Management</a:t>
+            </a:r>
+          </a:p>
+          <a:p>
+            <a:pPr lvl="1"/>
+            <a:r>
+              <a:rPr lang="en-US" dirty="0"/>
+              <a:t>Lab – Configure Azure AD for Intune </a:t>
+            </a:r>
+          </a:p>
+          <a:p>
+            <a:pPr lvl="1"/>
+            <a:endParaRPr lang="en-US" dirty="0"/>
+          </a:p>
+          <a:p>
+            <a:pPr lvl="1"/>
+            <a:endParaRPr lang="en-US" dirty="0"/>
+          </a:p>
+          <a:p>
+            <a:pPr marL="228600" lvl="1" indent="0">
+              <a:buNone/>
+            </a:pPr>
+            <a:endParaRPr lang="en-US" dirty="0"/>
+          </a:p>
+          <a:p>
+            <a:endParaRPr lang="en-US" dirty="0"/>
+          </a:p>
+        </p:txBody>
+      </p:sp>
+    </p:spTree>
+    <p:extLst>
+      <p:ext uri="{BB962C8B-B14F-4D97-AF65-F5344CB8AC3E}">
+        <p14:creationId xmlns:p14="http://schemas.microsoft.com/office/powerpoint/2010/main" val="1780970869"/>
       </p:ext>
     </p:extLst>
   </p:cSld>
@@ -8314,6 +9120,608 @@
   <p:transition>
     <p:fade/>
   </p:transition>
+</p:sld>
+</file>
+
+<file path=ppt/slides/slide7.xml><?xml version="1.0" encoding="utf-8"?>
+<p:sld xmlns:a="http://schemas.openxmlformats.org/drawingml/2006/main" xmlns:r="http://schemas.openxmlformats.org/officeDocument/2006/relationships" xmlns:p="http://schemas.openxmlformats.org/presentationml/2006/main">
+  <p:cSld>
+    <p:spTree>
+      <p:nvGrpSpPr>
+        <p:cNvPr id="1" name=""/>
+        <p:cNvGrpSpPr/>
+        <p:nvPr/>
+      </p:nvGrpSpPr>
+      <p:grpSpPr>
+        <a:xfrm>
+          <a:off x="0" y="0"/>
+          <a:ext cx="0" cy="0"/>
+          <a:chOff x="0" y="0"/>
+          <a:chExt cx="0" cy="0"/>
+        </a:xfrm>
+      </p:grpSpPr>
+      <p:sp>
+        <p:nvSpPr>
+          <p:cNvPr id="17" name="Title 16"/>
+          <p:cNvSpPr>
+            <a:spLocks noGrp="1"/>
+          </p:cNvSpPr>
+          <p:nvPr>
+            <p:ph type="title"/>
+          </p:nvPr>
+        </p:nvSpPr>
+        <p:spPr/>
+        <p:txBody>
+          <a:bodyPr/>
+          <a:lstStyle/>
+          <a:p>
+            <a:r>
+              <a:rPr lang="bs-Latn-BA" dirty="0"/>
+              <a:t>Course Agenda</a:t>
+            </a:r>
+            <a:r>
+              <a:rPr lang="en-US" dirty="0"/>
+              <a:t> (5/7)</a:t>
+            </a:r>
+          </a:p>
+        </p:txBody>
+      </p:sp>
+      <p:sp>
+        <p:nvSpPr>
+          <p:cNvPr id="6" name="Text Placeholder 5"/>
+          <p:cNvSpPr>
+            <a:spLocks noGrp="1"/>
+          </p:cNvSpPr>
+          <p:nvPr>
+            <p:ph type="body" sz="quarter" idx="10"/>
+          </p:nvPr>
+        </p:nvSpPr>
+        <p:spPr>
+          <a:xfrm>
+            <a:off x="584200" y="1435497"/>
+            <a:ext cx="11018520" cy="5010602"/>
+          </a:xfrm>
+        </p:spPr>
+        <p:txBody>
+          <a:bodyPr/>
+          <a:lstStyle/>
+          <a:p>
+            <a:r>
+              <a:rPr lang="bs-Latn-BA" dirty="0"/>
+              <a:t>Module </a:t>
+            </a:r>
+            <a:r>
+              <a:rPr lang="en-US" dirty="0"/>
+              <a:t>9</a:t>
+            </a:r>
+            <a:r>
+              <a:rPr lang="bs-Latn-BA" dirty="0"/>
+              <a:t>: </a:t>
+            </a:r>
+            <a:r>
+              <a:rPr lang="en-US" dirty="0"/>
+              <a:t>Information</a:t>
+            </a:r>
+            <a:r>
+              <a:rPr lang="bs-Latn-BA" dirty="0"/>
+              <a:t> Protection</a:t>
+            </a:r>
+          </a:p>
+          <a:p>
+            <a:pPr lvl="1"/>
+            <a:r>
+              <a:rPr lang="en-US" dirty="0"/>
+              <a:t>Information Protection concepts</a:t>
+            </a:r>
+          </a:p>
+          <a:p>
+            <a:pPr lvl="1"/>
+            <a:r>
+              <a:rPr lang="en-US" dirty="0"/>
+              <a:t>Sensitivity Labels</a:t>
+            </a:r>
+          </a:p>
+          <a:p>
+            <a:pPr lvl="1"/>
+            <a:r>
+              <a:rPr lang="en-US" dirty="0"/>
+              <a:t>Azure Information Protection (AIP)</a:t>
+            </a:r>
+          </a:p>
+          <a:p>
+            <a:pPr lvl="1"/>
+            <a:r>
+              <a:rPr lang="en-US" dirty="0"/>
+              <a:t>Windows Information Protection (WIP)</a:t>
+            </a:r>
+          </a:p>
+          <a:p>
+            <a:pPr lvl="1"/>
+            <a:r>
+              <a:rPr lang="en-US" dirty="0"/>
+              <a:t>Lab – Implement AIP and WIP</a:t>
+            </a:r>
+          </a:p>
+          <a:p>
+            <a:pPr lvl="1"/>
+            <a:endParaRPr lang="en-US" dirty="0"/>
+          </a:p>
+          <a:p>
+            <a:r>
+              <a:rPr lang="bs-Latn-BA" dirty="0"/>
+              <a:t>Module </a:t>
+            </a:r>
+            <a:r>
+              <a:rPr lang="en-US" dirty="0"/>
+              <a:t>10</a:t>
+            </a:r>
+            <a:r>
+              <a:rPr lang="bs-Latn-BA" dirty="0"/>
+              <a:t>: </a:t>
+            </a:r>
+            <a:r>
+              <a:rPr lang="en-US" dirty="0"/>
+              <a:t>Rights Management and Encryption</a:t>
+            </a:r>
+            <a:endParaRPr lang="bs-Latn-BA" dirty="0"/>
+          </a:p>
+          <a:p>
+            <a:pPr lvl="1"/>
+            <a:r>
+              <a:rPr lang="en-US" dirty="0"/>
+              <a:t>Information Rights Management (IRM) </a:t>
+            </a:r>
+          </a:p>
+          <a:p>
+            <a:pPr lvl="1"/>
+            <a:r>
+              <a:rPr lang="fr-FR" dirty="0"/>
+              <a:t>Secure Multipurpose Internet Mail Extension (S-MIME)</a:t>
+            </a:r>
+          </a:p>
+          <a:p>
+            <a:pPr lvl="1"/>
+            <a:r>
+              <a:rPr lang="en-US" dirty="0"/>
+              <a:t>Office 365 Message Encryption</a:t>
+            </a:r>
+          </a:p>
+          <a:p>
+            <a:pPr lvl="1"/>
+            <a:r>
+              <a:rPr lang="en-US" dirty="0"/>
+              <a:t>Lab – Configure Office 365 Message Encryption</a:t>
+            </a:r>
+          </a:p>
+          <a:p>
+            <a:pPr marL="228600" lvl="1" indent="0">
+              <a:buNone/>
+            </a:pPr>
+            <a:endParaRPr lang="en-US" dirty="0"/>
+          </a:p>
+        </p:txBody>
+      </p:sp>
+    </p:spTree>
+    <p:extLst>
+      <p:ext uri="{BB962C8B-B14F-4D97-AF65-F5344CB8AC3E}">
+        <p14:creationId xmlns:p14="http://schemas.microsoft.com/office/powerpoint/2010/main" val="1764890427"/>
+      </p:ext>
+    </p:extLst>
+  </p:cSld>
+  <p:clrMapOvr>
+    <a:masterClrMapping/>
+  </p:clrMapOvr>
+  <mc:AlternateContent xmlns:mc="http://schemas.openxmlformats.org/markup-compatibility/2006" xmlns:p14="http://schemas.microsoft.com/office/powerpoint/2010/main">
+    <mc:Choice Requires="p14">
+      <p:transition spd="med" p14:dur="700">
+        <p:fade/>
+      </p:transition>
+    </mc:Choice>
+    <mc:Fallback xmlns="">
+      <p:transition spd="med">
+        <p:fade/>
+      </p:transition>
+    </mc:Fallback>
+  </mc:AlternateContent>
+</p:sld>
+</file>
+
+<file path=ppt/slides/slide8.xml><?xml version="1.0" encoding="utf-8"?>
+<p:sld xmlns:a="http://schemas.openxmlformats.org/drawingml/2006/main" xmlns:r="http://schemas.openxmlformats.org/officeDocument/2006/relationships" xmlns:p="http://schemas.openxmlformats.org/presentationml/2006/main">
+  <p:cSld>
+    <p:spTree>
+      <p:nvGrpSpPr>
+        <p:cNvPr id="1" name=""/>
+        <p:cNvGrpSpPr/>
+        <p:nvPr/>
+      </p:nvGrpSpPr>
+      <p:grpSpPr>
+        <a:xfrm>
+          <a:off x="0" y="0"/>
+          <a:ext cx="0" cy="0"/>
+          <a:chOff x="0" y="0"/>
+          <a:chExt cx="0" cy="0"/>
+        </a:xfrm>
+      </p:grpSpPr>
+      <p:sp>
+        <p:nvSpPr>
+          <p:cNvPr id="2" name="Title 1">
+            <a:extLst>
+              <a:ext uri="{FF2B5EF4-FFF2-40B4-BE49-F238E27FC236}">
+                <a16:creationId xmlns:a16="http://schemas.microsoft.com/office/drawing/2014/main" id="{62303B20-FDC9-4A07-ABCA-6A6AACA64E93}"/>
+              </a:ext>
+            </a:extLst>
+          </p:cNvPr>
+          <p:cNvSpPr>
+            <a:spLocks noGrp="1"/>
+          </p:cNvSpPr>
+          <p:nvPr>
+            <p:ph type="title"/>
+          </p:nvPr>
+        </p:nvSpPr>
+        <p:spPr/>
+        <p:txBody>
+          <a:bodyPr/>
+          <a:lstStyle/>
+          <a:p>
+            <a:r>
+              <a:rPr lang="bs-Latn-BA" dirty="0"/>
+              <a:t>Course Agenda (</a:t>
+            </a:r>
+            <a:r>
+              <a:rPr lang="fr-FR" dirty="0"/>
+              <a:t>6/7</a:t>
+            </a:r>
+            <a:r>
+              <a:rPr lang="bs-Latn-BA" dirty="0"/>
+              <a:t>)</a:t>
+            </a:r>
+            <a:endParaRPr lang="en-US" dirty="0"/>
+          </a:p>
+        </p:txBody>
+      </p:sp>
+      <p:sp>
+        <p:nvSpPr>
+          <p:cNvPr id="3" name="Text Placeholder 2">
+            <a:extLst>
+              <a:ext uri="{FF2B5EF4-FFF2-40B4-BE49-F238E27FC236}">
+                <a16:creationId xmlns:a16="http://schemas.microsoft.com/office/drawing/2014/main" id="{F4E1CD0A-3BA7-4E22-A032-5FD5746E3AA6}"/>
+              </a:ext>
+            </a:extLst>
+          </p:cNvPr>
+          <p:cNvSpPr>
+            <a:spLocks noGrp="1"/>
+          </p:cNvSpPr>
+          <p:nvPr>
+            <p:ph type="body" sz="quarter" idx="10"/>
+          </p:nvPr>
+        </p:nvSpPr>
+        <p:spPr>
+          <a:xfrm>
+            <a:off x="586740" y="1130697"/>
+            <a:ext cx="11018520" cy="4579715"/>
+          </a:xfrm>
+        </p:spPr>
+        <p:txBody>
+          <a:bodyPr/>
+          <a:lstStyle/>
+          <a:p>
+            <a:r>
+              <a:rPr lang="bs-Latn-BA" dirty="0"/>
+              <a:t>Module </a:t>
+            </a:r>
+            <a:r>
+              <a:rPr lang="en-US" dirty="0"/>
+              <a:t>11</a:t>
+            </a:r>
+            <a:r>
+              <a:rPr lang="bs-Latn-BA" dirty="0"/>
+              <a:t>: Data Loss Prevention</a:t>
+            </a:r>
+          </a:p>
+          <a:p>
+            <a:pPr lvl="1"/>
+            <a:r>
+              <a:rPr lang="en-US" dirty="0"/>
+              <a:t>Data loss prevention fundamentals</a:t>
+            </a:r>
+          </a:p>
+          <a:p>
+            <a:pPr lvl="1"/>
+            <a:r>
+              <a:rPr lang="en-US" dirty="0"/>
+              <a:t>Create a DLP policy</a:t>
+            </a:r>
+          </a:p>
+          <a:p>
+            <a:pPr lvl="1"/>
+            <a:r>
+              <a:rPr lang="en-US" dirty="0"/>
+              <a:t>Customize a DLP policy</a:t>
+            </a:r>
+          </a:p>
+          <a:p>
+            <a:pPr lvl="1"/>
+            <a:r>
+              <a:rPr lang="en-US" dirty="0"/>
+              <a:t>Create a DLP policy to protect documents</a:t>
+            </a:r>
+          </a:p>
+          <a:p>
+            <a:pPr lvl="1"/>
+            <a:r>
+              <a:rPr lang="en-US" dirty="0"/>
+              <a:t>Policy Tips</a:t>
+            </a:r>
+          </a:p>
+          <a:p>
+            <a:pPr lvl="1"/>
+            <a:r>
+              <a:rPr lang="en-US" dirty="0"/>
+              <a:t>Lab – Implement Data Loss Prevention policies</a:t>
+            </a:r>
+            <a:br>
+              <a:rPr lang="en-US" dirty="0"/>
+            </a:br>
+            <a:endParaRPr lang="bs-Latn-BA" dirty="0"/>
+          </a:p>
+          <a:p>
+            <a:r>
+              <a:rPr lang="bs-Latn-BA" dirty="0"/>
+              <a:t>Module </a:t>
+            </a:r>
+            <a:r>
+              <a:rPr lang="en-US" dirty="0"/>
+              <a:t>12</a:t>
+            </a:r>
+            <a:r>
+              <a:rPr lang="bs-Latn-BA" dirty="0"/>
+              <a:t>: </a:t>
+            </a:r>
+            <a:r>
+              <a:rPr lang="en-US" dirty="0"/>
+              <a:t>Compliance in Microsoft 365</a:t>
+            </a:r>
+            <a:endParaRPr lang="bs-Latn-BA" dirty="0"/>
+          </a:p>
+          <a:p>
+            <a:pPr lvl="1"/>
+            <a:r>
+              <a:rPr lang="en-US" dirty="0"/>
+              <a:t>Compliance center</a:t>
+            </a:r>
+          </a:p>
+          <a:p>
+            <a:pPr lvl="1"/>
+            <a:r>
+              <a:rPr lang="en-US" dirty="0"/>
+              <a:t>Compliance center solutions</a:t>
+            </a:r>
+          </a:p>
+          <a:p>
+            <a:pPr lvl="1"/>
+            <a:r>
+              <a:rPr lang="en-US" dirty="0"/>
+              <a:t>Building ethical walls in Exchange Online</a:t>
+            </a:r>
+          </a:p>
+        </p:txBody>
+      </p:sp>
+    </p:spTree>
+    <p:extLst>
+      <p:ext uri="{BB962C8B-B14F-4D97-AF65-F5344CB8AC3E}">
+        <p14:creationId xmlns:p14="http://schemas.microsoft.com/office/powerpoint/2010/main" val="120221724"/>
+      </p:ext>
+    </p:extLst>
+  </p:cSld>
+  <p:clrMapOvr>
+    <a:masterClrMapping/>
+  </p:clrMapOvr>
+  <p:transition>
+    <p:fade/>
+  </p:transition>
+</p:sld>
+</file>
+
+<file path=ppt/slides/slide9.xml><?xml version="1.0" encoding="utf-8"?>
+<p:sld xmlns:a="http://schemas.openxmlformats.org/drawingml/2006/main" xmlns:r="http://schemas.openxmlformats.org/officeDocument/2006/relationships" xmlns:p="http://schemas.openxmlformats.org/presentationml/2006/main">
+  <p:cSld>
+    <p:spTree>
+      <p:nvGrpSpPr>
+        <p:cNvPr id="1" name=""/>
+        <p:cNvGrpSpPr/>
+        <p:nvPr/>
+      </p:nvGrpSpPr>
+      <p:grpSpPr>
+        <a:xfrm>
+          <a:off x="0" y="0"/>
+          <a:ext cx="0" cy="0"/>
+          <a:chOff x="0" y="0"/>
+          <a:chExt cx="0" cy="0"/>
+        </a:xfrm>
+      </p:grpSpPr>
+      <p:sp>
+        <p:nvSpPr>
+          <p:cNvPr id="17" name="Title 16"/>
+          <p:cNvSpPr>
+            <a:spLocks noGrp="1"/>
+          </p:cNvSpPr>
+          <p:nvPr>
+            <p:ph type="title"/>
+          </p:nvPr>
+        </p:nvSpPr>
+        <p:spPr/>
+        <p:txBody>
+          <a:bodyPr/>
+          <a:lstStyle/>
+          <a:p>
+            <a:r>
+              <a:rPr lang="bs-Latn-BA" dirty="0"/>
+              <a:t>Course Agenda</a:t>
+            </a:r>
+            <a:r>
+              <a:rPr lang="fr-FR" dirty="0"/>
+              <a:t> (7/7)</a:t>
+            </a:r>
+            <a:endParaRPr lang="en-US" dirty="0"/>
+          </a:p>
+        </p:txBody>
+      </p:sp>
+      <p:sp>
+        <p:nvSpPr>
+          <p:cNvPr id="6" name="Text Placeholder 5"/>
+          <p:cNvSpPr>
+            <a:spLocks noGrp="1"/>
+          </p:cNvSpPr>
+          <p:nvPr>
+            <p:ph type="body" sz="quarter" idx="10"/>
+          </p:nvPr>
+        </p:nvSpPr>
+        <p:spPr>
+          <a:xfrm>
+            <a:off x="584200" y="1435497"/>
+            <a:ext cx="11018520" cy="4949047"/>
+          </a:xfrm>
+        </p:spPr>
+        <p:txBody>
+          <a:bodyPr/>
+          <a:lstStyle/>
+          <a:p>
+            <a:r>
+              <a:rPr lang="bs-Latn-BA" dirty="0"/>
+              <a:t>Module </a:t>
+            </a:r>
+            <a:r>
+              <a:rPr lang="en-US" dirty="0"/>
+              <a:t>13</a:t>
+            </a:r>
+            <a:r>
+              <a:rPr lang="bs-Latn-BA" dirty="0"/>
+              <a:t>: </a:t>
+            </a:r>
+            <a:r>
+              <a:rPr lang="en-US" dirty="0"/>
+              <a:t>Archiving and Retention</a:t>
+            </a:r>
+            <a:endParaRPr lang="bs-Latn-BA" dirty="0"/>
+          </a:p>
+          <a:p>
+            <a:pPr lvl="1"/>
+            <a:r>
+              <a:rPr lang="en-US" dirty="0"/>
+              <a:t>Archiving in Microsoft 365</a:t>
+            </a:r>
+          </a:p>
+          <a:p>
+            <a:pPr lvl="1"/>
+            <a:r>
+              <a:rPr lang="en-US" dirty="0"/>
+              <a:t>Retention in Microsoft 365</a:t>
+            </a:r>
+          </a:p>
+          <a:p>
+            <a:pPr lvl="1"/>
+            <a:r>
+              <a:rPr lang="en-US" dirty="0"/>
+              <a:t>Retention policies in the Microsoft 365 Compliance center</a:t>
+            </a:r>
+          </a:p>
+          <a:p>
+            <a:pPr lvl="1"/>
+            <a:r>
+              <a:rPr lang="en-US" dirty="0"/>
+              <a:t>Archiving and retention in Exchange</a:t>
+            </a:r>
+          </a:p>
+          <a:p>
+            <a:pPr lvl="1"/>
+            <a:r>
+              <a:rPr lang="en-US" dirty="0"/>
+              <a:t>In-place records management in SharePoint</a:t>
+            </a:r>
+          </a:p>
+          <a:p>
+            <a:pPr lvl="1"/>
+            <a:r>
+              <a:rPr lang="en-US" dirty="0"/>
+              <a:t>Lab – Compliance and Retention</a:t>
+            </a:r>
+            <a:br>
+              <a:rPr lang="en-US" dirty="0"/>
+            </a:br>
+            <a:endParaRPr lang="bs-Latn-BA" dirty="0"/>
+          </a:p>
+          <a:p>
+            <a:r>
+              <a:rPr lang="bs-Latn-BA" dirty="0"/>
+              <a:t>Module </a:t>
+            </a:r>
+            <a:r>
+              <a:rPr lang="en-US" dirty="0"/>
+              <a:t>14</a:t>
+            </a:r>
+            <a:r>
+              <a:rPr lang="bs-Latn-BA" dirty="0"/>
+              <a:t>: </a:t>
+            </a:r>
+            <a:r>
+              <a:rPr lang="en-US" dirty="0"/>
+              <a:t>Content Search and Investigations</a:t>
+            </a:r>
+            <a:endParaRPr lang="bs-Latn-BA" dirty="0"/>
+          </a:p>
+          <a:p>
+            <a:pPr lvl="1"/>
+            <a:r>
+              <a:rPr lang="en-US" dirty="0"/>
+              <a:t>Content Search</a:t>
+            </a:r>
+          </a:p>
+          <a:p>
+            <a:pPr lvl="1"/>
+            <a:r>
+              <a:rPr lang="en-US" dirty="0"/>
+              <a:t>Audit Log Investigations</a:t>
+            </a:r>
+          </a:p>
+          <a:p>
+            <a:pPr lvl="1"/>
+            <a:r>
+              <a:rPr lang="en-US" dirty="0"/>
+              <a:t>Advanced eDiscovery</a:t>
+            </a:r>
+          </a:p>
+          <a:p>
+            <a:pPr lvl="1"/>
+            <a:r>
+              <a:rPr lang="en-US" dirty="0"/>
+              <a:t>Lab – Manage Search and Investigations</a:t>
+            </a:r>
+          </a:p>
+        </p:txBody>
+      </p:sp>
+    </p:spTree>
+    <p:extLst>
+      <p:ext uri="{BB962C8B-B14F-4D97-AF65-F5344CB8AC3E}">
+        <p14:creationId xmlns:p14="http://schemas.microsoft.com/office/powerpoint/2010/main" val="3288497885"/>
+      </p:ext>
+    </p:extLst>
+  </p:cSld>
+  <p:clrMapOvr>
+    <a:masterClrMapping/>
+  </p:clrMapOvr>
+  <mc:AlternateContent xmlns:mc="http://schemas.openxmlformats.org/markup-compatibility/2006" xmlns:p14="http://schemas.microsoft.com/office/powerpoint/2010/main">
+    <mc:Choice Requires="p14">
+      <p:transition spd="med" p14:dur="700">
+        <p:fade/>
+      </p:transition>
+    </mc:Choice>
+    <mc:Fallback xmlns="">
+      <p:transition spd="med">
+        <p:fade/>
+      </p:transition>
+    </mc:Fallback>
+  </mc:AlternateContent>
 </p:sld>
 </file>
 
